--- a/arduino.pptx
+++ b/arduino.pptx
@@ -25,26 +25,25 @@
     <p:sldId id="260" r:id="rId19"/>
     <p:sldId id="265" r:id="rId20"/>
     <p:sldId id="266" r:id="rId21"/>
-    <p:sldId id="268" r:id="rId22"/>
-    <p:sldId id="269" r:id="rId23"/>
-    <p:sldId id="270" r:id="rId24"/>
-    <p:sldId id="271" r:id="rId25"/>
-    <p:sldId id="272" r:id="rId26"/>
-    <p:sldId id="288" r:id="rId27"/>
-    <p:sldId id="296" r:id="rId28"/>
-    <p:sldId id="289" r:id="rId29"/>
-    <p:sldId id="278" r:id="rId30"/>
-    <p:sldId id="280" r:id="rId31"/>
-    <p:sldId id="274" r:id="rId32"/>
-    <p:sldId id="275" r:id="rId33"/>
-    <p:sldId id="277" r:id="rId34"/>
-    <p:sldId id="279" r:id="rId35"/>
-    <p:sldId id="276" r:id="rId36"/>
-    <p:sldId id="281" r:id="rId37"/>
-    <p:sldId id="282" r:id="rId38"/>
-    <p:sldId id="283" r:id="rId39"/>
-    <p:sldId id="284" r:id="rId40"/>
-    <p:sldId id="285" r:id="rId41"/>
+    <p:sldId id="269" r:id="rId22"/>
+    <p:sldId id="270" r:id="rId23"/>
+    <p:sldId id="271" r:id="rId24"/>
+    <p:sldId id="272" r:id="rId25"/>
+    <p:sldId id="288" r:id="rId26"/>
+    <p:sldId id="296" r:id="rId27"/>
+    <p:sldId id="289" r:id="rId28"/>
+    <p:sldId id="278" r:id="rId29"/>
+    <p:sldId id="280" r:id="rId30"/>
+    <p:sldId id="274" r:id="rId31"/>
+    <p:sldId id="275" r:id="rId32"/>
+    <p:sldId id="277" r:id="rId33"/>
+    <p:sldId id="279" r:id="rId34"/>
+    <p:sldId id="276" r:id="rId35"/>
+    <p:sldId id="281" r:id="rId36"/>
+    <p:sldId id="282" r:id="rId37"/>
+    <p:sldId id="283" r:id="rId38"/>
+    <p:sldId id="284" r:id="rId39"/>
+    <p:sldId id="285" r:id="rId40"/>
   </p:sldIdLst>
   <p:sldSz cx="9144000" cy="6858000" type="screen4x3"/>
   <p:notesSz cx="6858000" cy="9144000"/>
@@ -3658,25 +3657,53 @@
           <a:p>
             <a:r>
               <a:rPr lang="en-US" altLang="zh-CN" dirty="0"/>
-              <a:t>#define input1 =5;</a:t>
-            </a:r>
-          </a:p>
-          <a:p>
+              <a:t>#define input1 </a:t>
+            </a:r>
+            <a:r>
+              <a:rPr lang="en-US" altLang="zh-CN" dirty="0" smtClean="0"/>
+              <a:t>5</a:t>
+            </a:r>
             <a:r>
               <a:rPr lang="en-US" altLang="zh-CN" dirty="0"/>
-              <a:t>#define input2 =6;</a:t>
+              <a:t>;</a:t>
             </a:r>
           </a:p>
           <a:p>
             <a:r>
               <a:rPr lang="en-US" altLang="zh-CN" dirty="0"/>
-              <a:t>#define input3 =9;</a:t>
-            </a:r>
-          </a:p>
-          <a:p>
+              <a:t>#define input2 </a:t>
+            </a:r>
+            <a:r>
+              <a:rPr lang="en-US" altLang="zh-CN" dirty="0" smtClean="0"/>
+              <a:t>6</a:t>
+            </a:r>
             <a:r>
               <a:rPr lang="en-US" altLang="zh-CN" dirty="0"/>
-              <a:t>#define input4 =10</a:t>
+              <a:t>;</a:t>
+            </a:r>
+          </a:p>
+          <a:p>
+            <a:r>
+              <a:rPr lang="en-US" altLang="zh-CN" dirty="0"/>
+              <a:t>#define input3 </a:t>
+            </a:r>
+            <a:r>
+              <a:rPr lang="en-US" altLang="zh-CN" dirty="0" smtClean="0"/>
+              <a:t>9</a:t>
+            </a:r>
+            <a:r>
+              <a:rPr lang="en-US" altLang="zh-CN" dirty="0"/>
+              <a:t>;</a:t>
+            </a:r>
+          </a:p>
+          <a:p>
+            <a:r>
+              <a:rPr lang="en-US" altLang="zh-CN" dirty="0"/>
+              <a:t>#define input4 </a:t>
+            </a:r>
+            <a:r>
+              <a:rPr lang="en-US" altLang="zh-CN" dirty="0" smtClean="0"/>
+              <a:t>10</a:t>
             </a:r>
             <a:r>
               <a:rPr lang="en-US" altLang="zh-CN" dirty="0" smtClean="0"/>
@@ -4167,15 +4194,7 @@
           <a:p>
             <a:r>
               <a:rPr lang="en-US" altLang="zh-CN" dirty="0" smtClean="0"/>
-              <a:t>Why ENA can range from </a:t>
-            </a:r>
-            <a:r>
-              <a:rPr lang="en-US" altLang="zh-CN" dirty="0" smtClean="0"/>
-              <a:t>0-255</a:t>
-            </a:r>
-            <a:r>
-              <a:rPr lang="en-US" altLang="zh-CN" dirty="0" smtClean="0"/>
-              <a:t>?</a:t>
+              <a:t>Why ENA can range from 0-255?</a:t>
             </a:r>
           </a:p>
           <a:p>
@@ -4266,15 +4285,7 @@
                   <a:srgbClr val="FF0000"/>
                 </a:solidFill>
               </a:rPr>
-              <a:t>Range :    0-255   (Linear</a:t>
-            </a:r>
-            <a:r>
-              <a:rPr lang="en-US" altLang="zh-CN" dirty="0" smtClean="0">
-                <a:solidFill>
-                  <a:srgbClr val="FF0000"/>
-                </a:solidFill>
-              </a:rPr>
-              <a:t>)</a:t>
+              <a:t>Range :    0-255   (Linear)</a:t>
             </a:r>
           </a:p>
           <a:p>
@@ -4286,11 +4297,6 @@
               </a:rPr>
               <a:t>Calculate the turning angle.</a:t>
             </a:r>
-            <a:endParaRPr lang="en-US" altLang="zh-CN" dirty="0" smtClean="0">
-              <a:solidFill>
-                <a:srgbClr val="FF0000"/>
-              </a:solidFill>
-            </a:endParaRPr>
           </a:p>
           <a:p>
             <a:endParaRPr lang="en-US" altLang="zh-CN" dirty="0" smtClean="0"/>
@@ -4376,9 +4382,81 @@
           </a:p>
           <a:p>
             <a:r>
+              <a:rPr lang="en-US" altLang="zh-CN" dirty="0" smtClean="0"/>
+              <a:t>Github</a:t>
+            </a:r>
+            <a:endParaRPr lang="en-US" altLang="zh-CN" dirty="0" smtClean="0">
+              <a:hlinkClick r:id="rId2"/>
+            </a:endParaRPr>
+          </a:p>
+          <a:p>
+            <a:r>
+              <a:rPr lang="en-US" altLang="zh-CN" dirty="0" smtClean="0">
+                <a:hlinkClick r:id="rId2"/>
+              </a:rPr>
+              <a:t>https</a:t>
+            </a:r>
+            <a:r>
+              <a:rPr lang="en-US" altLang="zh-CN" dirty="0">
+                <a:hlinkClick r:id="rId2"/>
+              </a:rPr>
+              <a:t>://</a:t>
+            </a:r>
+            <a:r>
+              <a:rPr lang="en-US" altLang="zh-CN" dirty="0" smtClean="0">
+                <a:hlinkClick r:id="rId2"/>
+              </a:rPr>
+              <a:t>github.com/sweetsinpackets/arduino_motor</a:t>
+            </a:r>
+            <a:endParaRPr lang="en-US" altLang="zh-CN" dirty="0" smtClean="0"/>
+          </a:p>
+          <a:p>
+            <a:endParaRPr lang="en-US" altLang="zh-CN" dirty="0" smtClean="0"/>
+          </a:p>
+          <a:p>
+            <a:r>
+              <a:rPr lang="en-US" altLang="zh-CN" dirty="0" smtClean="0"/>
+              <a:t>Baidu </a:t>
+            </a:r>
+            <a:r>
+              <a:rPr lang="en-US" altLang="zh-CN" dirty="0" err="1" smtClean="0"/>
+              <a:t>netdisk</a:t>
+            </a:r>
+            <a:endParaRPr lang="en-US" altLang="zh-CN" dirty="0"/>
+          </a:p>
+          <a:p>
+            <a:r>
+              <a:rPr lang="zh-CN" altLang="en-US" dirty="0" smtClean="0"/>
+              <a:t>链接</a:t>
+            </a:r>
+            <a:r>
+              <a:rPr lang="zh-CN" altLang="en-US" dirty="0"/>
+              <a:t>：</a:t>
+            </a:r>
+            <a:r>
+              <a:rPr lang="en-US" altLang="zh-CN" dirty="0">
+                <a:hlinkClick r:id="rId3"/>
+              </a:rPr>
+              <a:t>http://pan.baidu.com/s/1hr4Ph7A</a:t>
+            </a:r>
+            <a:r>
               <a:rPr lang="en-US" altLang="zh-CN" dirty="0"/>
-              <a:t>https://github.com/sweetsinpackets/arduino_motor</a:t>
-            </a:r>
+              <a:t> </a:t>
+            </a:r>
+            <a:r>
+              <a:rPr lang="zh-CN" altLang="en-US" dirty="0"/>
+              <a:t>密码：</a:t>
+            </a:r>
+            <a:r>
+              <a:rPr lang="en-US" altLang="zh-CN" dirty="0" err="1"/>
+              <a:t>eabb</a:t>
+            </a:r>
+            <a:r>
+              <a:rPr lang="en-US" altLang="zh-CN" dirty="0"/>
+              <a:t> </a:t>
+            </a:r>
+          </a:p>
+          <a:p>
             <a:endParaRPr lang="zh-CN" altLang="en-US" dirty="0"/>
           </a:p>
         </p:txBody>
@@ -4527,115 +4605,6 @@
 </file>
 
 <file path=ppt/slides/slide21.xml><?xml version="1.0" encoding="utf-8"?>
-<p:sld xmlns:a="http://schemas.openxmlformats.org/drawingml/2006/main" xmlns:r="http://schemas.openxmlformats.org/officeDocument/2006/relationships" xmlns:p="http://schemas.openxmlformats.org/presentationml/2006/main">
-  <p:cSld>
-    <p:spTree>
-      <p:nvGrpSpPr>
-        <p:cNvPr id="1" name=""/>
-        <p:cNvGrpSpPr/>
-        <p:nvPr/>
-      </p:nvGrpSpPr>
-      <p:grpSpPr>
-        <a:xfrm>
-          <a:off x="0" y="0"/>
-          <a:ext cx="0" cy="0"/>
-          <a:chOff x="0" y="0"/>
-          <a:chExt cx="0" cy="0"/>
-        </a:xfrm>
-      </p:grpSpPr>
-      <p:sp>
-        <p:nvSpPr>
-          <p:cNvPr id="2" name="标题 1"/>
-          <p:cNvSpPr>
-            <a:spLocks noGrp="1"/>
-          </p:cNvSpPr>
-          <p:nvPr>
-            <p:ph type="title"/>
-          </p:nvPr>
-        </p:nvSpPr>
-        <p:spPr/>
-        <p:txBody>
-          <a:bodyPr/>
-          <a:lstStyle/>
-          <a:p>
-            <a:r>
-              <a:rPr lang="en-US" altLang="zh-CN" dirty="0" smtClean="0"/>
-              <a:t>PWM</a:t>
-            </a:r>
-            <a:endParaRPr lang="zh-CN" altLang="en-US" dirty="0"/>
-          </a:p>
-        </p:txBody>
-      </p:sp>
-      <p:pic>
-        <p:nvPicPr>
-          <p:cNvPr id="1026" name="Picture 2"/>
-          <p:cNvPicPr>
-            <a:picLocks noGrp="1" noChangeAspect="1" noChangeArrowheads="1"/>
-          </p:cNvPicPr>
-          <p:nvPr>
-            <p:ph idx="1"/>
-          </p:nvPr>
-        </p:nvPicPr>
-        <p:blipFill>
-          <a:blip r:embed="rId2">
-            <a:extLst>
-              <a:ext uri="{28A0092B-C50C-407E-A947-70E740481C1C}">
-                <a14:useLocalDpi xmlns:a14="http://schemas.microsoft.com/office/drawing/2010/main" val="0"/>
-              </a:ext>
-            </a:extLst>
-          </a:blip>
-          <a:srcRect/>
-          <a:stretch>
-            <a:fillRect/>
-          </a:stretch>
-        </p:blipFill>
-        <p:spPr bwMode="auto">
-          <a:xfrm>
-            <a:off x="236386" y="1408534"/>
-            <a:ext cx="8800110" cy="2884562"/>
-          </a:xfrm>
-          <a:prstGeom prst="rect">
-            <a:avLst/>
-          </a:prstGeom>
-          <a:noFill/>
-          <a:ln>
-            <a:noFill/>
-          </a:ln>
-          <a:extLst>
-            <a:ext uri="{909E8E84-426E-40DD-AFC4-6F175D3DCCD1}">
-              <a14:hiddenFill xmlns:a14="http://schemas.microsoft.com/office/drawing/2010/main">
-                <a:solidFill>
-                  <a:schemeClr val="accent1"/>
-                </a:solidFill>
-              </a14:hiddenFill>
-            </a:ext>
-            <a:ext uri="{91240B29-F687-4F45-9708-019B960494DF}">
-              <a14:hiddenLine xmlns:a14="http://schemas.microsoft.com/office/drawing/2010/main" w="9525">
-                <a:solidFill>
-                  <a:schemeClr val="tx1"/>
-                </a:solidFill>
-                <a:miter lim="800000"/>
-                <a:headEnd/>
-                <a:tailEnd/>
-              </a14:hiddenLine>
-            </a:ext>
-          </a:extLst>
-        </p:spPr>
-      </p:pic>
-    </p:spTree>
-    <p:extLst>
-      <p:ext uri="{BB962C8B-B14F-4D97-AF65-F5344CB8AC3E}">
-        <p14:creationId xmlns:p14="http://schemas.microsoft.com/office/powerpoint/2010/main" val="592688562"/>
-      </p:ext>
-    </p:extLst>
-  </p:cSld>
-  <p:clrMapOvr>
-    <a:masterClrMapping/>
-  </p:clrMapOvr>
-</p:sld>
-</file>
-
-<file path=ppt/slides/slide22.xml><?xml version="1.0" encoding="utf-8"?>
 <p:sld xmlns:a="http://schemas.openxmlformats.org/drawingml/2006/main" xmlns:r="http://schemas.openxmlformats.org/officeDocument/2006/relationships" xmlns:p="http://schemas.openxmlformats.org/presentationml/2006/main">
   <p:cSld>
     <p:spTree>
@@ -4767,6 +4736,200 @@
 </p:sld>
 </file>
 
+<file path=ppt/slides/slide22.xml><?xml version="1.0" encoding="utf-8"?>
+<p:sld xmlns:a="http://schemas.openxmlformats.org/drawingml/2006/main" xmlns:r="http://schemas.openxmlformats.org/officeDocument/2006/relationships" xmlns:p="http://schemas.openxmlformats.org/presentationml/2006/main">
+  <p:cSld>
+    <p:spTree>
+      <p:nvGrpSpPr>
+        <p:cNvPr id="1" name=""/>
+        <p:cNvGrpSpPr/>
+        <p:nvPr/>
+      </p:nvGrpSpPr>
+      <p:grpSpPr>
+        <a:xfrm>
+          <a:off x="0" y="0"/>
+          <a:ext cx="0" cy="0"/>
+          <a:chOff x="0" y="0"/>
+          <a:chExt cx="0" cy="0"/>
+        </a:xfrm>
+      </p:grpSpPr>
+      <p:sp>
+        <p:nvSpPr>
+          <p:cNvPr id="2" name="标题 1"/>
+          <p:cNvSpPr>
+            <a:spLocks noGrp="1"/>
+          </p:cNvSpPr>
+          <p:nvPr>
+            <p:ph type="title"/>
+          </p:nvPr>
+        </p:nvSpPr>
+        <p:spPr>
+          <a:xfrm>
+            <a:off x="467544" y="260648"/>
+            <a:ext cx="8229600" cy="1143000"/>
+          </a:xfrm>
+        </p:spPr>
+        <p:txBody>
+          <a:bodyPr/>
+          <a:lstStyle/>
+          <a:p>
+            <a:r>
+              <a:rPr lang="en-US" altLang="zh-CN" dirty="0" smtClean="0"/>
+              <a:t>Make PWM (bad example)</a:t>
+            </a:r>
+            <a:endParaRPr lang="zh-CN" altLang="en-US" dirty="0"/>
+          </a:p>
+        </p:txBody>
+      </p:sp>
+      <p:sp>
+        <p:nvSpPr>
+          <p:cNvPr id="3" name="内容占位符 2"/>
+          <p:cNvSpPr>
+            <a:spLocks noGrp="1"/>
+          </p:cNvSpPr>
+          <p:nvPr>
+            <p:ph idx="1"/>
+          </p:nvPr>
+        </p:nvSpPr>
+        <p:spPr/>
+        <p:txBody>
+          <a:bodyPr>
+            <a:normAutofit lnSpcReduction="10000"/>
+          </a:bodyPr>
+          <a:lstStyle/>
+          <a:p>
+            <a:pPr marL="0" indent="0">
+              <a:buNone/>
+            </a:pPr>
+            <a:r>
+              <a:rPr lang="en-US" altLang="zh-CN" dirty="0" err="1" smtClean="0"/>
+              <a:t>digitalWrite</a:t>
+            </a:r>
+            <a:r>
+              <a:rPr lang="en-US" altLang="zh-CN" dirty="0" smtClean="0"/>
+              <a:t>(pin</a:t>
+            </a:r>
+            <a:r>
+              <a:rPr lang="en-US" altLang="zh-CN" dirty="0"/>
+              <a:t>, HIGH); </a:t>
+            </a:r>
+            <a:endParaRPr lang="en-US" altLang="zh-CN" dirty="0" smtClean="0"/>
+          </a:p>
+          <a:p>
+            <a:pPr marL="0" indent="0">
+              <a:buNone/>
+            </a:pPr>
+            <a:r>
+              <a:rPr lang="en-US" altLang="zh-CN" dirty="0" err="1" smtClean="0"/>
+              <a:t>delayMicroseconds</a:t>
+            </a:r>
+            <a:r>
+              <a:rPr lang="en-US" altLang="zh-CN" dirty="0" smtClean="0"/>
+              <a:t>(100</a:t>
+            </a:r>
+            <a:r>
+              <a:rPr lang="en-US" altLang="zh-CN" dirty="0"/>
+              <a:t>); </a:t>
+            </a:r>
+            <a:endParaRPr lang="en-US" altLang="zh-CN" dirty="0" smtClean="0"/>
+          </a:p>
+          <a:p>
+            <a:pPr marL="0" indent="0">
+              <a:buNone/>
+            </a:pPr>
+            <a:r>
+              <a:rPr lang="en-US" altLang="zh-CN" dirty="0" err="1" smtClean="0"/>
+              <a:t>digitalWrite</a:t>
+            </a:r>
+            <a:r>
+              <a:rPr lang="en-US" altLang="zh-CN" dirty="0" smtClean="0"/>
+              <a:t>(pin</a:t>
+            </a:r>
+            <a:r>
+              <a:rPr lang="en-US" altLang="zh-CN" dirty="0"/>
+              <a:t>, LOW); </a:t>
+            </a:r>
+            <a:endParaRPr lang="en-US" altLang="zh-CN" dirty="0" smtClean="0"/>
+          </a:p>
+          <a:p>
+            <a:pPr marL="0" indent="0">
+              <a:buNone/>
+            </a:pPr>
+            <a:r>
+              <a:rPr lang="en-US" altLang="zh-CN" dirty="0" err="1" smtClean="0"/>
+              <a:t>delayMicroseconds</a:t>
+            </a:r>
+            <a:r>
+              <a:rPr lang="en-US" altLang="zh-CN" dirty="0" smtClean="0"/>
+              <a:t>(1000 </a:t>
+            </a:r>
+            <a:r>
+              <a:rPr lang="en-US" altLang="zh-CN" dirty="0"/>
+              <a:t>- 100</a:t>
+            </a:r>
+            <a:r>
+              <a:rPr lang="en-US" altLang="zh-CN" dirty="0" smtClean="0"/>
+              <a:t>);</a:t>
+            </a:r>
+          </a:p>
+          <a:p>
+            <a:pPr marL="0" indent="0">
+              <a:buNone/>
+            </a:pPr>
+            <a:endParaRPr lang="en-US" altLang="zh-CN" dirty="0"/>
+          </a:p>
+          <a:p>
+            <a:pPr marL="0" indent="0">
+              <a:buNone/>
+            </a:pPr>
+            <a:r>
+              <a:rPr lang="en-US" altLang="zh-CN" dirty="0"/>
+              <a:t>Fast </a:t>
+            </a:r>
+            <a:r>
+              <a:rPr lang="en-US" altLang="zh-CN" dirty="0" smtClean="0"/>
+              <a:t>PWM, </a:t>
+            </a:r>
+            <a:r>
+              <a:rPr lang="en-US" altLang="zh-CN" dirty="0"/>
+              <a:t>Phase-Correct PWM</a:t>
+            </a:r>
+          </a:p>
+          <a:p>
+            <a:pPr marL="0" indent="0">
+              <a:buNone/>
+            </a:pPr>
+            <a:r>
+              <a:rPr lang="en-US" altLang="zh-CN" dirty="0" smtClean="0"/>
+              <a:t>For more information, please refer to </a:t>
+            </a:r>
+            <a:r>
+              <a:rPr lang="en-US" altLang="zh-CN" dirty="0" smtClean="0">
+                <a:hlinkClick r:id="rId2"/>
+              </a:rPr>
+              <a:t>www.arduino.cc</a:t>
+            </a:r>
+            <a:r>
+              <a:rPr lang="en-US" altLang="zh-CN" dirty="0" smtClean="0"/>
+              <a:t>. </a:t>
+            </a:r>
+            <a:endParaRPr lang="en-US" altLang="zh-CN" dirty="0"/>
+          </a:p>
+        </p:txBody>
+      </p:sp>
+    </p:spTree>
+    <p:extLst>
+      <p:ext uri="{BB962C8B-B14F-4D97-AF65-F5344CB8AC3E}">
+        <p14:creationId xmlns:p14="http://schemas.microsoft.com/office/powerpoint/2010/main" val="4068896740"/>
+      </p:ext>
+    </p:extLst>
+  </p:cSld>
+  <p:clrMapOvr>
+    <a:masterClrMapping/>
+  </p:clrMapOvr>
+</p:sld>
+</file>
+
 <file path=ppt/slides/slide23.xml><?xml version="1.0" encoding="utf-8"?>
 <p:sld xmlns:a="http://schemas.openxmlformats.org/drawingml/2006/main" xmlns:r="http://schemas.openxmlformats.org/officeDocument/2006/relationships" xmlns:p="http://schemas.openxmlformats.org/presentationml/2006/main">
   <p:cSld>
@@ -4794,19 +4957,22 @@
             <p:ph type="title"/>
           </p:nvPr>
         </p:nvSpPr>
-        <p:spPr>
-          <a:xfrm>
-            <a:off x="467544" y="260648"/>
-            <a:ext cx="8229600" cy="1143000"/>
-          </a:xfrm>
-        </p:spPr>
-        <p:txBody>
-          <a:bodyPr/>
-          <a:lstStyle/>
-          <a:p>
-            <a:r>
-              <a:rPr lang="en-US" altLang="zh-CN" dirty="0" smtClean="0"/>
-              <a:t>Make PWM (bad example)</a:t>
+        <p:spPr/>
+        <p:txBody>
+          <a:bodyPr/>
+          <a:lstStyle/>
+          <a:p>
+            <a:r>
+              <a:rPr lang="en-US" altLang="zh-CN" dirty="0" smtClean="0"/>
+              <a:t>Probable</a:t>
+            </a:r>
+            <a:r>
+              <a:rPr lang="zh-CN" altLang="en-US" dirty="0"/>
+              <a:t>　</a:t>
+            </a:r>
+            <a:r>
+              <a:rPr lang="en-US" altLang="zh-CN" dirty="0" smtClean="0"/>
+              <a:t>PWM and speed</a:t>
             </a:r>
             <a:endParaRPr lang="zh-CN" altLang="en-US" dirty="0"/>
           </a:p>
@@ -4824,134 +4990,82 @@
         </p:nvSpPr>
         <p:spPr/>
         <p:txBody>
-          <a:bodyPr>
-            <a:normAutofit lnSpcReduction="10000"/>
-          </a:bodyPr>
-          <a:lstStyle/>
+          <a:bodyPr/>
+          <a:lstStyle/>
+          <a:p>
+            <a:r>
+              <a:rPr lang="en-US" altLang="zh-CN" dirty="0" smtClean="0"/>
+              <a:t>Assume the percentage of HIGH is x%.</a:t>
+            </a:r>
+          </a:p>
           <a:p>
             <a:pPr marL="0" indent="0">
               <a:buNone/>
             </a:pPr>
             <a:r>
-              <a:rPr lang="en-US" altLang="zh-CN" dirty="0" err="1" smtClean="0"/>
-              <a:t>digitalWrite</a:t>
-            </a:r>
-            <a:r>
-              <a:rPr lang="en-US" altLang="zh-CN" dirty="0" smtClean="0"/>
-              <a:t>(pin</a:t>
-            </a:r>
+              <a:rPr lang="en-US" altLang="zh-CN" dirty="0" smtClean="0"/>
+              <a:t>    x% time the motor works.</a:t>
+            </a:r>
+          </a:p>
+          <a:p>
+            <a:pPr marL="0" indent="0">
+              <a:buNone/>
+            </a:pPr>
             <a:r>
               <a:rPr lang="en-US" altLang="zh-CN" dirty="0"/>
-              <a:t>, HIGH); </a:t>
-            </a:r>
-            <a:endParaRPr lang="en-US" altLang="zh-CN" dirty="0" smtClean="0"/>
+              <a:t> </a:t>
+            </a:r>
+            <a:r>
+              <a:rPr lang="en-US" altLang="zh-CN" dirty="0" smtClean="0"/>
+              <a:t>   Thus in the short time period,</a:t>
+            </a:r>
           </a:p>
           <a:p>
             <a:pPr marL="0" indent="0">
               <a:buNone/>
             </a:pPr>
             <a:r>
-              <a:rPr lang="en-US" altLang="zh-CN" dirty="0" err="1" smtClean="0"/>
-              <a:t>delayMicroseconds</a:t>
-            </a:r>
-            <a:r>
-              <a:rPr lang="en-US" altLang="zh-CN" dirty="0" smtClean="0"/>
-              <a:t>(100</a:t>
-            </a:r>
-            <a:r>
               <a:rPr lang="en-US" altLang="zh-CN" dirty="0"/>
-              <a:t>); </a:t>
-            </a:r>
-            <a:endParaRPr lang="en-US" altLang="zh-CN" dirty="0" smtClean="0"/>
+              <a:t> </a:t>
+            </a:r>
+            <a:r>
+              <a:rPr lang="en-US" altLang="zh-CN" dirty="0" smtClean="0"/>
+              <a:t>   it goes x% of the max distance.</a:t>
+            </a:r>
           </a:p>
           <a:p>
             <a:pPr marL="0" indent="0">
               <a:buNone/>
             </a:pPr>
             <a:r>
-              <a:rPr lang="en-US" altLang="zh-CN" dirty="0" err="1" smtClean="0"/>
-              <a:t>digitalWrite</a:t>
-            </a:r>
-            <a:r>
-              <a:rPr lang="en-US" altLang="zh-CN" dirty="0" smtClean="0"/>
-              <a:t>(pin</a:t>
-            </a:r>
-            <a:r>
               <a:rPr lang="en-US" altLang="zh-CN" dirty="0"/>
-              <a:t>, LOW); </a:t>
-            </a:r>
-            <a:endParaRPr lang="en-US" altLang="zh-CN" dirty="0" smtClean="0"/>
+              <a:t> </a:t>
+            </a:r>
+            <a:r>
+              <a:rPr lang="en-US" altLang="zh-CN" dirty="0" smtClean="0"/>
+              <a:t>   Since the time period is short, </a:t>
+            </a:r>
           </a:p>
           <a:p>
             <a:pPr marL="0" indent="0">
               <a:buNone/>
             </a:pPr>
             <a:r>
-              <a:rPr lang="en-US" altLang="zh-CN" dirty="0" err="1" smtClean="0"/>
-              <a:t>delayMicroseconds</a:t>
-            </a:r>
-            <a:r>
-              <a:rPr lang="en-US" altLang="zh-CN" dirty="0" smtClean="0"/>
-              <a:t>(1000 </a:t>
-            </a:r>
-            <a:r>
               <a:rPr lang="en-US" altLang="zh-CN" dirty="0"/>
-              <a:t>- 100</a:t>
-            </a:r>
-            <a:r>
-              <a:rPr lang="en-US" altLang="zh-CN" dirty="0" smtClean="0"/>
-              <a:t>);</a:t>
-            </a:r>
-          </a:p>
-          <a:p>
-            <a:pPr marL="0" indent="0">
-              <a:buNone/>
-            </a:pPr>
-            <a:endParaRPr lang="en-US" altLang="zh-CN" dirty="0"/>
-          </a:p>
-          <a:p>
-            <a:pPr marL="0" indent="0">
-              <a:buNone/>
-            </a:pPr>
-            <a:r>
-              <a:rPr lang="en-US" altLang="zh-CN" dirty="0"/>
-              <a:t>Fast </a:t>
-            </a:r>
-            <a:r>
-              <a:rPr lang="en-US" altLang="zh-CN" dirty="0" smtClean="0"/>
-              <a:t>PWM, </a:t>
-            </a:r>
-            <a:r>
-              <a:rPr lang="en-US" altLang="zh-CN" dirty="0"/>
-              <a:t>Phase-Correct PWM</a:t>
-            </a:r>
-          </a:p>
-          <a:p>
-            <a:pPr marL="0" indent="0">
-              <a:buNone/>
-            </a:pPr>
-            <a:r>
-              <a:rPr lang="en-US" altLang="zh-CN" dirty="0" smtClean="0"/>
-              <a:t>For more information, please refer to </a:t>
-            </a:r>
-            <a:r>
-              <a:rPr lang="en-US" altLang="zh-CN" dirty="0" smtClean="0">
-                <a:hlinkClick r:id="rId2"/>
-              </a:rPr>
-              <a:t>www.arduino.cc</a:t>
-            </a:r>
-            <a:r>
-              <a:rPr lang="en-US" altLang="zh-CN" dirty="0" smtClean="0"/>
-              <a:t>. </a:t>
-            </a:r>
-            <a:endParaRPr lang="en-US" altLang="zh-CN" dirty="0"/>
+              <a:t> </a:t>
+            </a:r>
+            <a:r>
+              <a:rPr lang="en-US" altLang="zh-CN" dirty="0" smtClean="0"/>
+              <a:t>   it can be regarded as x% speed.</a:t>
+            </a:r>
+            <a:endParaRPr lang="zh-CN" altLang="en-US" dirty="0"/>
           </a:p>
         </p:txBody>
       </p:sp>
     </p:spTree>
     <p:extLst>
       <p:ext uri="{BB962C8B-B14F-4D97-AF65-F5344CB8AC3E}">
-        <p14:creationId xmlns:p14="http://schemas.microsoft.com/office/powerpoint/2010/main" val="4068896740"/>
+        <p14:creationId xmlns:p14="http://schemas.microsoft.com/office/powerpoint/2010/main" val="1741937905"/>
       </p:ext>
     </p:extLst>
   </p:cSld>
@@ -4995,99 +5109,74 @@
           <a:p>
             <a:r>
               <a:rPr lang="en-US" altLang="zh-CN" dirty="0" smtClean="0"/>
-              <a:t>Probable</a:t>
-            </a:r>
-            <a:r>
-              <a:rPr lang="zh-CN" altLang="en-US" dirty="0"/>
-              <a:t>　</a:t>
-            </a:r>
-            <a:r>
-              <a:rPr lang="en-US" altLang="zh-CN" dirty="0" smtClean="0"/>
-              <a:t>PWM and speed</a:t>
-            </a:r>
-            <a:endParaRPr lang="zh-CN" altLang="en-US" dirty="0"/>
-          </a:p>
-        </p:txBody>
-      </p:sp>
-      <p:sp>
-        <p:nvSpPr>
-          <p:cNvPr id="3" name="内容占位符 2"/>
-          <p:cNvSpPr>
-            <a:spLocks noGrp="1"/>
-          </p:cNvSpPr>
-          <p:nvPr>
-            <p:ph idx="1"/>
-          </p:nvPr>
-        </p:nvSpPr>
-        <p:spPr/>
-        <p:txBody>
-          <a:bodyPr/>
-          <a:lstStyle/>
-          <a:p>
-            <a:r>
-              <a:rPr lang="en-US" altLang="zh-CN" dirty="0" smtClean="0"/>
-              <a:t>Assume the percentage of HIGH is x%.</a:t>
-            </a:r>
-          </a:p>
-          <a:p>
-            <a:pPr marL="0" indent="0">
-              <a:buNone/>
-            </a:pPr>
-            <a:r>
-              <a:rPr lang="en-US" altLang="zh-CN" dirty="0" smtClean="0"/>
-              <a:t>    x% time the motor works.</a:t>
-            </a:r>
-          </a:p>
-          <a:p>
-            <a:pPr marL="0" indent="0">
-              <a:buNone/>
-            </a:pPr>
+              <a:t>PWM</a:t>
+            </a:r>
             <a:r>
               <a:rPr lang="en-US" altLang="zh-CN" dirty="0"/>
               <a:t> </a:t>
             </a:r>
             <a:r>
               <a:rPr lang="en-US" altLang="zh-CN" dirty="0" smtClean="0"/>
-              <a:t>   Thus in the short time period,</a:t>
-            </a:r>
-          </a:p>
-          <a:p>
-            <a:pPr marL="0" indent="0">
-              <a:buNone/>
-            </a:pPr>
+              <a:t>and speed</a:t>
+            </a:r>
+            <a:endParaRPr lang="zh-CN" altLang="en-US" dirty="0"/>
+          </a:p>
+        </p:txBody>
+      </p:sp>
+      <p:sp>
+        <p:nvSpPr>
+          <p:cNvPr id="3" name="内容占位符 2"/>
+          <p:cNvSpPr>
+            <a:spLocks noGrp="1"/>
+          </p:cNvSpPr>
+          <p:nvPr>
+            <p:ph idx="1"/>
+          </p:nvPr>
+        </p:nvSpPr>
+        <p:spPr/>
+        <p:txBody>
+          <a:bodyPr/>
+          <a:lstStyle/>
+          <a:p>
+            <a:r>
+              <a:rPr lang="en-US" altLang="zh-CN" dirty="0" smtClean="0"/>
+              <a:t> Under a certain frequency, the power is given in square wave pulse (</a:t>
+            </a:r>
+            <a:r>
+              <a:rPr lang="zh-CN" altLang="en-US" dirty="0" smtClean="0"/>
+              <a:t>方波脉冲</a:t>
+            </a:r>
+            <a:r>
+              <a:rPr lang="en-US" altLang="zh-CN" dirty="0" smtClean="0"/>
+              <a:t>) </a:t>
+            </a:r>
+          </a:p>
+          <a:p>
             <a:r>
               <a:rPr lang="en-US" altLang="zh-CN" dirty="0"/>
               <a:t> </a:t>
             </a:r>
             <a:r>
               <a:rPr lang="en-US" altLang="zh-CN" dirty="0" smtClean="0"/>
-              <a:t>   it goes x% of the max distance.</a:t>
-            </a:r>
-          </a:p>
-          <a:p>
-            <a:pPr marL="0" indent="0">
-              <a:buNone/>
-            </a:pPr>
+              <a:t>The motor is actually an inductance(</a:t>
+            </a:r>
+            <a:r>
+              <a:rPr lang="zh-CN" altLang="en-US" dirty="0" smtClean="0"/>
+              <a:t>电感</a:t>
+            </a:r>
+            <a:r>
+              <a:rPr lang="en-US" altLang="zh-CN" dirty="0" smtClean="0"/>
+              <a:t>), which means it has the ability to hinder current and voltage change.</a:t>
+            </a:r>
+          </a:p>
+          <a:p>
             <a:r>
               <a:rPr lang="en-US" altLang="zh-CN" dirty="0"/>
               <a:t> </a:t>
             </a:r>
             <a:r>
               <a:rPr lang="en-US" altLang="zh-CN" dirty="0" smtClean="0"/>
-              <a:t>   Since the time period is short, </a:t>
-            </a:r>
-          </a:p>
-          <a:p>
-            <a:pPr marL="0" indent="0">
-              <a:buNone/>
-            </a:pPr>
-            <a:r>
-              <a:rPr lang="en-US" altLang="zh-CN" dirty="0"/>
-              <a:t> </a:t>
-            </a:r>
-            <a:r>
-              <a:rPr lang="en-US" altLang="zh-CN" dirty="0" smtClean="0"/>
-              <a:t>   it can be regarded as x% speed.</a:t>
+              <a:t>The result is power will be distributed averagely on time.</a:t>
             </a:r>
             <a:endParaRPr lang="zh-CN" altLang="en-US" dirty="0"/>
           </a:p>
@@ -5096,7 +5185,7 @@
     </p:spTree>
     <p:extLst>
       <p:ext uri="{BB962C8B-B14F-4D97-AF65-F5344CB8AC3E}">
-        <p14:creationId xmlns:p14="http://schemas.microsoft.com/office/powerpoint/2010/main" val="1741937905"/>
+        <p14:creationId xmlns:p14="http://schemas.microsoft.com/office/powerpoint/2010/main" val="601648329"/>
       </p:ext>
     </p:extLst>
   </p:cSld>
@@ -5140,83 +5229,84 @@
           <a:p>
             <a:r>
               <a:rPr lang="en-US" altLang="zh-CN" dirty="0" smtClean="0"/>
-              <a:t>PWM</a:t>
-            </a:r>
+              <a:t>Problems – don’t go straightly</a:t>
+            </a:r>
+            <a:endParaRPr lang="zh-CN" altLang="en-US" dirty="0"/>
+          </a:p>
+        </p:txBody>
+      </p:sp>
+      <p:sp>
+        <p:nvSpPr>
+          <p:cNvPr id="3" name="内容占位符 2"/>
+          <p:cNvSpPr>
+            <a:spLocks noGrp="1"/>
+          </p:cNvSpPr>
+          <p:nvPr>
+            <p:ph idx="1"/>
+          </p:nvPr>
+        </p:nvSpPr>
+        <p:spPr/>
+        <p:txBody>
+          <a:bodyPr/>
+          <a:lstStyle/>
+          <a:p>
+            <a:r>
+              <a:rPr lang="en-US" altLang="zh-CN" dirty="0" smtClean="0"/>
+              <a:t>L298n don’t start two motors at same time.</a:t>
+            </a:r>
+          </a:p>
+          <a:p>
+            <a:r>
+              <a:rPr lang="en-US" altLang="zh-CN" dirty="0" smtClean="0"/>
+              <a:t>Difference in motors.</a:t>
+            </a:r>
+          </a:p>
+          <a:p>
+            <a:r>
+              <a:rPr lang="en-US" altLang="zh-CN" dirty="0" smtClean="0"/>
+              <a:t>Mechanical structure.</a:t>
+            </a:r>
+          </a:p>
+          <a:p>
+            <a:pPr marL="0" indent="0">
+              <a:buNone/>
+            </a:pPr>
+            <a:endParaRPr lang="en-US" altLang="zh-CN" dirty="0"/>
+          </a:p>
+          <a:p>
+            <a:r>
+              <a:rPr lang="en-US" altLang="zh-CN" dirty="0" smtClean="0"/>
+              <a:t>Solutions:</a:t>
+            </a:r>
+          </a:p>
+          <a:p>
+            <a:pPr marL="0" indent="0">
+              <a:buNone/>
+            </a:pPr>
+            <a:r>
+              <a:rPr lang="en-US" altLang="zh-CN" dirty="0" smtClean="0"/>
+              <a:t>	PWM switch.</a:t>
+            </a:r>
+          </a:p>
+          <a:p>
+            <a:pPr marL="0" indent="0">
+              <a:buNone/>
+            </a:pPr>
             <a:r>
               <a:rPr lang="en-US" altLang="zh-CN" dirty="0"/>
-              <a:t> </a:t>
-            </a:r>
-            <a:r>
-              <a:rPr lang="en-US" altLang="zh-CN" dirty="0" smtClean="0"/>
-              <a:t>and speed</a:t>
-            </a:r>
-            <a:endParaRPr lang="zh-CN" altLang="en-US" dirty="0"/>
-          </a:p>
-        </p:txBody>
-      </p:sp>
-      <p:sp>
-        <p:nvSpPr>
-          <p:cNvPr id="3" name="内容占位符 2"/>
-          <p:cNvSpPr>
-            <a:spLocks noGrp="1"/>
-          </p:cNvSpPr>
-          <p:nvPr>
-            <p:ph idx="1"/>
-          </p:nvPr>
-        </p:nvSpPr>
-        <p:spPr/>
-        <p:txBody>
-          <a:bodyPr/>
-          <a:lstStyle/>
-          <a:p>
-            <a:r>
-              <a:rPr lang="en-US" altLang="zh-CN" dirty="0" smtClean="0"/>
-              <a:t> Under a certain frequency, the power is given in square wave pulse (</a:t>
-            </a:r>
-            <a:r>
-              <a:rPr lang="zh-CN" altLang="en-US" dirty="0" smtClean="0"/>
-              <a:t>方波脉冲</a:t>
-            </a:r>
-            <a:r>
-              <a:rPr lang="en-US" altLang="zh-CN" dirty="0" smtClean="0"/>
-              <a:t>) </a:t>
-            </a:r>
-          </a:p>
-          <a:p>
-            <a:r>
-              <a:rPr lang="en-US" altLang="zh-CN" dirty="0"/>
-              <a:t> </a:t>
-            </a:r>
-            <a:r>
-              <a:rPr lang="en-US" altLang="zh-CN" dirty="0" smtClean="0"/>
-              <a:t>The motor is actually an inductance(</a:t>
-            </a:r>
-            <a:r>
-              <a:rPr lang="zh-CN" altLang="en-US" dirty="0" smtClean="0"/>
-              <a:t>电感</a:t>
-            </a:r>
-            <a:r>
-              <a:rPr lang="en-US" altLang="zh-CN" dirty="0" smtClean="0"/>
-              <a:t>), which means it has the ability to hinder current and voltage change.</a:t>
-            </a:r>
-          </a:p>
-          <a:p>
-            <a:r>
-              <a:rPr lang="en-US" altLang="zh-CN" dirty="0"/>
-              <a:t> </a:t>
-            </a:r>
-            <a:r>
-              <a:rPr lang="en-US" altLang="zh-CN" dirty="0" smtClean="0"/>
-              <a:t>The result is power will be distributed averagely on time.</a:t>
-            </a:r>
-            <a:endParaRPr lang="zh-CN" altLang="en-US" dirty="0"/>
+              <a:t>	</a:t>
+            </a:r>
+            <a:r>
+              <a:rPr lang="en-US" altLang="zh-CN" dirty="0" smtClean="0"/>
+              <a:t>Set a delay time.</a:t>
+            </a:r>
           </a:p>
         </p:txBody>
       </p:sp>
     </p:spTree>
     <p:extLst>
       <p:ext uri="{BB962C8B-B14F-4D97-AF65-F5344CB8AC3E}">
-        <p14:creationId xmlns:p14="http://schemas.microsoft.com/office/powerpoint/2010/main" val="601648329"/>
+        <p14:creationId xmlns:p14="http://schemas.microsoft.com/office/powerpoint/2010/main" val="1788435618"/>
       </p:ext>
     </p:extLst>
   </p:cSld>
@@ -5260,7 +5350,7 @@
           <a:p>
             <a:r>
               <a:rPr lang="en-US" altLang="zh-CN" dirty="0" smtClean="0"/>
-              <a:t>Problems – don’t go straightly</a:t>
+              <a:t>Problems – tiny movement</a:t>
             </a:r>
             <a:endParaRPr lang="zh-CN" altLang="en-US" dirty="0"/>
           </a:p>
@@ -5283,53 +5373,22 @@
           <a:p>
             <a:r>
               <a:rPr lang="en-US" altLang="zh-CN" dirty="0" smtClean="0"/>
-              <a:t>L298n don’t start two motors at same time.</a:t>
-            </a:r>
-          </a:p>
-          <a:p>
-            <a:r>
-              <a:rPr lang="en-US" altLang="zh-CN" dirty="0" smtClean="0"/>
-              <a:t>Difference in motors.</a:t>
-            </a:r>
-          </a:p>
-          <a:p>
-            <a:r>
-              <a:rPr lang="en-US" altLang="zh-CN" dirty="0" smtClean="0"/>
-              <a:t>Mechanical structure.</a:t>
-            </a:r>
-          </a:p>
-          <a:p>
-            <a:pPr marL="0" indent="0">
-              <a:buNone/>
-            </a:pPr>
+              <a:t>You may find the motor have a long starting time and unexpected speed, especially you need it to do move only a little.</a:t>
+            </a:r>
+          </a:p>
+          <a:p>
             <a:endParaRPr lang="en-US" altLang="zh-CN" dirty="0"/>
           </a:p>
           <a:p>
             <a:r>
               <a:rPr lang="en-US" altLang="zh-CN" dirty="0" smtClean="0"/>
-              <a:t>Solutions:</a:t>
-            </a:r>
-          </a:p>
-          <a:p>
-            <a:pPr marL="0" indent="0">
-              <a:buNone/>
-            </a:pPr>
-            <a:r>
-              <a:rPr lang="en-US" altLang="zh-CN" dirty="0" smtClean="0"/>
-              <a:t>	PWM switch.</a:t>
-            </a:r>
-          </a:p>
-          <a:p>
-            <a:pPr marL="0" indent="0">
-              <a:buNone/>
-            </a:pPr>
-            <a:r>
-              <a:rPr lang="en-US" altLang="zh-CN" dirty="0"/>
-              <a:t>	</a:t>
-            </a:r>
-            <a:r>
-              <a:rPr lang="en-US" altLang="zh-CN" dirty="0" smtClean="0"/>
-              <a:t>Set a delay time.</a:t>
+              <a:t>Under this situation, I suggest you to use more accurate motor, or substitutions like servo.</a:t>
+            </a:r>
+          </a:p>
+          <a:p>
+            <a:r>
+              <a:rPr lang="en-US" altLang="zh-CN" dirty="0" smtClean="0"/>
+              <a:t> Or you can do a lot experiments.</a:t>
             </a:r>
           </a:p>
         </p:txBody>
@@ -5337,7 +5396,7 @@
     </p:spTree>
     <p:extLst>
       <p:ext uri="{BB962C8B-B14F-4D97-AF65-F5344CB8AC3E}">
-        <p14:creationId xmlns:p14="http://schemas.microsoft.com/office/powerpoint/2010/main" val="1788435618"/>
+        <p14:creationId xmlns:p14="http://schemas.microsoft.com/office/powerpoint/2010/main" val="4135697146"/>
       </p:ext>
     </p:extLst>
   </p:cSld>
@@ -5381,96 +5440,6 @@
           <a:p>
             <a:r>
               <a:rPr lang="en-US" altLang="zh-CN" dirty="0" smtClean="0"/>
-              <a:t>Problems – tiny movement</a:t>
-            </a:r>
-            <a:endParaRPr lang="zh-CN" altLang="en-US" dirty="0"/>
-          </a:p>
-        </p:txBody>
-      </p:sp>
-      <p:sp>
-        <p:nvSpPr>
-          <p:cNvPr id="3" name="内容占位符 2"/>
-          <p:cNvSpPr>
-            <a:spLocks noGrp="1"/>
-          </p:cNvSpPr>
-          <p:nvPr>
-            <p:ph idx="1"/>
-          </p:nvPr>
-        </p:nvSpPr>
-        <p:spPr/>
-        <p:txBody>
-          <a:bodyPr/>
-          <a:lstStyle/>
-          <a:p>
-            <a:r>
-              <a:rPr lang="en-US" altLang="zh-CN" dirty="0" smtClean="0"/>
-              <a:t>You may find the motor have a long starting time and unexpected speed, especially you need it to do move only a little.</a:t>
-            </a:r>
-          </a:p>
-          <a:p>
-            <a:endParaRPr lang="en-US" altLang="zh-CN" dirty="0"/>
-          </a:p>
-          <a:p>
-            <a:r>
-              <a:rPr lang="en-US" altLang="zh-CN" dirty="0" smtClean="0"/>
-              <a:t>Under this situation, I suggest you to use more accurate motor, or substitutions like servo.</a:t>
-            </a:r>
-          </a:p>
-          <a:p>
-            <a:r>
-              <a:rPr lang="en-US" altLang="zh-CN" dirty="0" smtClean="0"/>
-              <a:t> Or you can do a lot experiments.</a:t>
-            </a:r>
-          </a:p>
-        </p:txBody>
-      </p:sp>
-    </p:spTree>
-    <p:extLst>
-      <p:ext uri="{BB962C8B-B14F-4D97-AF65-F5344CB8AC3E}">
-        <p14:creationId xmlns:p14="http://schemas.microsoft.com/office/powerpoint/2010/main" val="4135697146"/>
-      </p:ext>
-    </p:extLst>
-  </p:cSld>
-  <p:clrMapOvr>
-    <a:masterClrMapping/>
-  </p:clrMapOvr>
-</p:sld>
-</file>
-
-<file path=ppt/slides/slide28.xml><?xml version="1.0" encoding="utf-8"?>
-<p:sld xmlns:a="http://schemas.openxmlformats.org/drawingml/2006/main" xmlns:r="http://schemas.openxmlformats.org/officeDocument/2006/relationships" xmlns:p="http://schemas.openxmlformats.org/presentationml/2006/main">
-  <p:cSld>
-    <p:spTree>
-      <p:nvGrpSpPr>
-        <p:cNvPr id="1" name=""/>
-        <p:cNvGrpSpPr/>
-        <p:nvPr/>
-      </p:nvGrpSpPr>
-      <p:grpSpPr>
-        <a:xfrm>
-          <a:off x="0" y="0"/>
-          <a:ext cx="0" cy="0"/>
-          <a:chOff x="0" y="0"/>
-          <a:chExt cx="0" cy="0"/>
-        </a:xfrm>
-      </p:grpSpPr>
-      <p:sp>
-        <p:nvSpPr>
-          <p:cNvPr id="2" name="标题 1"/>
-          <p:cNvSpPr>
-            <a:spLocks noGrp="1"/>
-          </p:cNvSpPr>
-          <p:nvPr>
-            <p:ph type="title"/>
-          </p:nvPr>
-        </p:nvSpPr>
-        <p:spPr/>
-        <p:txBody>
-          <a:bodyPr/>
-          <a:lstStyle/>
-          <a:p>
-            <a:r>
-              <a:rPr lang="en-US" altLang="zh-CN" dirty="0" smtClean="0"/>
               <a:t>Addition</a:t>
             </a:r>
             <a:endParaRPr lang="zh-CN" altLang="en-US" dirty="0"/>
@@ -5533,7 +5502,7 @@
 </p:sld>
 </file>
 
-<file path=ppt/slides/slide29.xml><?xml version="1.0" encoding="utf-8"?>
+<file path=ppt/slides/slide28.xml><?xml version="1.0" encoding="utf-8"?>
 <p:sld xmlns:a="http://schemas.openxmlformats.org/drawingml/2006/main" xmlns:r="http://schemas.openxmlformats.org/officeDocument/2006/relationships" xmlns:p="http://schemas.openxmlformats.org/presentationml/2006/main">
   <p:cSld>
     <p:spTree>
@@ -5684,6 +5653,131 @@
 </p:sld>
 </file>
 
+<file path=ppt/slides/slide29.xml><?xml version="1.0" encoding="utf-8"?>
+<p:sld xmlns:a="http://schemas.openxmlformats.org/drawingml/2006/main" xmlns:r="http://schemas.openxmlformats.org/officeDocument/2006/relationships" xmlns:p="http://schemas.openxmlformats.org/presentationml/2006/main">
+  <p:cSld>
+    <p:spTree>
+      <p:nvGrpSpPr>
+        <p:cNvPr id="1" name=""/>
+        <p:cNvGrpSpPr/>
+        <p:nvPr/>
+      </p:nvGrpSpPr>
+      <p:grpSpPr>
+        <a:xfrm>
+          <a:off x="0" y="0"/>
+          <a:ext cx="0" cy="0"/>
+          <a:chOff x="0" y="0"/>
+          <a:chExt cx="0" cy="0"/>
+        </a:xfrm>
+      </p:grpSpPr>
+      <p:sp>
+        <p:nvSpPr>
+          <p:cNvPr id="2" name="标题 1"/>
+          <p:cNvSpPr>
+            <a:spLocks noGrp="1"/>
+          </p:cNvSpPr>
+          <p:nvPr>
+            <p:ph type="title"/>
+          </p:nvPr>
+        </p:nvSpPr>
+        <p:spPr/>
+        <p:txBody>
+          <a:bodyPr/>
+          <a:lstStyle/>
+          <a:p>
+            <a:r>
+              <a:rPr lang="en-US" altLang="zh-CN" dirty="0"/>
+              <a:t>Stepper Motor</a:t>
+            </a:r>
+            <a:endParaRPr lang="zh-CN" altLang="en-US" dirty="0"/>
+          </a:p>
+        </p:txBody>
+      </p:sp>
+      <p:sp>
+        <p:nvSpPr>
+          <p:cNvPr id="3" name="内容占位符 2"/>
+          <p:cNvSpPr>
+            <a:spLocks noGrp="1"/>
+          </p:cNvSpPr>
+          <p:nvPr>
+            <p:ph idx="1"/>
+          </p:nvPr>
+        </p:nvSpPr>
+        <p:spPr/>
+        <p:txBody>
+          <a:bodyPr/>
+          <a:lstStyle/>
+          <a:p>
+            <a:r>
+              <a:rPr lang="zh-CN" altLang="en-US" dirty="0" smtClean="0"/>
+              <a:t>单四拍（单相通电）  </a:t>
+            </a:r>
+            <a:r>
+              <a:rPr lang="en-US" altLang="zh-CN" dirty="0" smtClean="0"/>
+              <a:t>A-B-C-D-A</a:t>
+            </a:r>
+          </a:p>
+          <a:p>
+            <a:r>
+              <a:rPr lang="zh-CN" altLang="en-US" dirty="0" smtClean="0"/>
+              <a:t>双四拍</a:t>
+            </a:r>
+            <a:r>
+              <a:rPr lang="zh-CN" altLang="en-US" dirty="0"/>
+              <a:t>（双</a:t>
+            </a:r>
+            <a:r>
+              <a:rPr lang="zh-CN" altLang="en-US" dirty="0" smtClean="0"/>
+              <a:t>相通</a:t>
+            </a:r>
+            <a:r>
+              <a:rPr lang="zh-CN" altLang="en-US" dirty="0"/>
+              <a:t>电）</a:t>
+            </a:r>
+            <a:r>
+              <a:rPr lang="zh-CN" altLang="en-US" dirty="0" smtClean="0"/>
+              <a:t>  </a:t>
+            </a:r>
+            <a:r>
+              <a:rPr lang="en-US" altLang="zh-CN" dirty="0" smtClean="0"/>
+              <a:t>AB-BC-CD-DA-AB-</a:t>
+            </a:r>
+          </a:p>
+          <a:p>
+            <a:r>
+              <a:rPr lang="zh-CN" altLang="en-US" dirty="0" smtClean="0"/>
+              <a:t>八拍  </a:t>
+            </a:r>
+            <a:r>
+              <a:rPr lang="en-US" altLang="zh-CN" dirty="0" smtClean="0"/>
+              <a:t>A-AB-B-BC-C-CD-D-DA-A</a:t>
+            </a:r>
+          </a:p>
+          <a:p>
+            <a:endParaRPr lang="en-US" altLang="zh-CN" dirty="0"/>
+          </a:p>
+          <a:p>
+            <a:r>
+              <a:rPr lang="zh-CN" altLang="en-US" dirty="0" smtClean="0"/>
+              <a:t>更高拍更加精确</a:t>
+            </a:r>
+            <a:endParaRPr lang="zh-CN" altLang="en-US" dirty="0"/>
+          </a:p>
+        </p:txBody>
+      </p:sp>
+    </p:spTree>
+    <p:extLst>
+      <p:ext uri="{BB962C8B-B14F-4D97-AF65-F5344CB8AC3E}">
+        <p14:creationId xmlns:p14="http://schemas.microsoft.com/office/powerpoint/2010/main" val="2837047751"/>
+      </p:ext>
+    </p:extLst>
+  </p:cSld>
+  <p:clrMapOvr>
+    <a:masterClrMapping/>
+  </p:clrMapOvr>
+</p:sld>
+</file>
+
 <file path=ppt/slides/slide3.xml><?xml version="1.0" encoding="utf-8"?>
 <p:sld xmlns:a="http://schemas.openxmlformats.org/drawingml/2006/main" xmlns:r="http://schemas.openxmlformats.org/officeDocument/2006/relationships" xmlns:p="http://schemas.openxmlformats.org/presentationml/2006/main">
   <p:cSld>
@@ -5781,13 +5875,8 @@
             </a:pPr>
             <a:r>
               <a:rPr lang="en-US" altLang="zh-CN" dirty="0" smtClean="0"/>
-              <a:t>       Won’t be replied:  instructions (how to do</a:t>
-            </a:r>
-            <a:r>
-              <a:rPr lang="en-US" altLang="zh-CN" dirty="0" smtClean="0"/>
-              <a:t>)</a:t>
-            </a:r>
-            <a:endParaRPr lang="en-US" altLang="zh-CN" dirty="0" smtClean="0"/>
+              <a:t>       Won’t be replied:  instructions (how to do)</a:t>
+            </a:r>
           </a:p>
           <a:p>
             <a:r>
@@ -5803,7 +5892,6 @@
               <a:rPr lang="en-US" altLang="zh-CN" dirty="0" smtClean="0"/>
               <a:t>       ensuring an answer.  </a:t>
             </a:r>
-            <a:endParaRPr lang="en-US" altLang="zh-CN" dirty="0" smtClean="0"/>
           </a:p>
           <a:p>
             <a:r>
@@ -5843,131 +5931,6 @@
 </file>
 
 <file path=ppt/slides/slide30.xml><?xml version="1.0" encoding="utf-8"?>
-<p:sld xmlns:a="http://schemas.openxmlformats.org/drawingml/2006/main" xmlns:r="http://schemas.openxmlformats.org/officeDocument/2006/relationships" xmlns:p="http://schemas.openxmlformats.org/presentationml/2006/main">
-  <p:cSld>
-    <p:spTree>
-      <p:nvGrpSpPr>
-        <p:cNvPr id="1" name=""/>
-        <p:cNvGrpSpPr/>
-        <p:nvPr/>
-      </p:nvGrpSpPr>
-      <p:grpSpPr>
-        <a:xfrm>
-          <a:off x="0" y="0"/>
-          <a:ext cx="0" cy="0"/>
-          <a:chOff x="0" y="0"/>
-          <a:chExt cx="0" cy="0"/>
-        </a:xfrm>
-      </p:grpSpPr>
-      <p:sp>
-        <p:nvSpPr>
-          <p:cNvPr id="2" name="标题 1"/>
-          <p:cNvSpPr>
-            <a:spLocks noGrp="1"/>
-          </p:cNvSpPr>
-          <p:nvPr>
-            <p:ph type="title"/>
-          </p:nvPr>
-        </p:nvSpPr>
-        <p:spPr/>
-        <p:txBody>
-          <a:bodyPr/>
-          <a:lstStyle/>
-          <a:p>
-            <a:r>
-              <a:rPr lang="en-US" altLang="zh-CN" dirty="0"/>
-              <a:t>Stepper Motor</a:t>
-            </a:r>
-            <a:endParaRPr lang="zh-CN" altLang="en-US" dirty="0"/>
-          </a:p>
-        </p:txBody>
-      </p:sp>
-      <p:sp>
-        <p:nvSpPr>
-          <p:cNvPr id="3" name="内容占位符 2"/>
-          <p:cNvSpPr>
-            <a:spLocks noGrp="1"/>
-          </p:cNvSpPr>
-          <p:nvPr>
-            <p:ph idx="1"/>
-          </p:nvPr>
-        </p:nvSpPr>
-        <p:spPr/>
-        <p:txBody>
-          <a:bodyPr/>
-          <a:lstStyle/>
-          <a:p>
-            <a:r>
-              <a:rPr lang="zh-CN" altLang="en-US" dirty="0" smtClean="0"/>
-              <a:t>单四拍（单相通电）  </a:t>
-            </a:r>
-            <a:r>
-              <a:rPr lang="en-US" altLang="zh-CN" dirty="0" smtClean="0"/>
-              <a:t>A-B-C-D-A</a:t>
-            </a:r>
-          </a:p>
-          <a:p>
-            <a:r>
-              <a:rPr lang="zh-CN" altLang="en-US" dirty="0" smtClean="0"/>
-              <a:t>双四拍</a:t>
-            </a:r>
-            <a:r>
-              <a:rPr lang="zh-CN" altLang="en-US" dirty="0"/>
-              <a:t>（双</a:t>
-            </a:r>
-            <a:r>
-              <a:rPr lang="zh-CN" altLang="en-US" dirty="0" smtClean="0"/>
-              <a:t>相通</a:t>
-            </a:r>
-            <a:r>
-              <a:rPr lang="zh-CN" altLang="en-US" dirty="0"/>
-              <a:t>电）</a:t>
-            </a:r>
-            <a:r>
-              <a:rPr lang="zh-CN" altLang="en-US" dirty="0" smtClean="0"/>
-              <a:t>  </a:t>
-            </a:r>
-            <a:r>
-              <a:rPr lang="en-US" altLang="zh-CN" dirty="0" smtClean="0"/>
-              <a:t>AB-BC-CD-DA-AB-</a:t>
-            </a:r>
-          </a:p>
-          <a:p>
-            <a:r>
-              <a:rPr lang="zh-CN" altLang="en-US" dirty="0" smtClean="0"/>
-              <a:t>八拍  </a:t>
-            </a:r>
-            <a:r>
-              <a:rPr lang="en-US" altLang="zh-CN" dirty="0" smtClean="0"/>
-              <a:t>A-AB-B-BC-C-CD-D-DA-A</a:t>
-            </a:r>
-          </a:p>
-          <a:p>
-            <a:endParaRPr lang="en-US" altLang="zh-CN" dirty="0"/>
-          </a:p>
-          <a:p>
-            <a:r>
-              <a:rPr lang="zh-CN" altLang="en-US" dirty="0" smtClean="0"/>
-              <a:t>更高拍更加精确</a:t>
-            </a:r>
-            <a:endParaRPr lang="zh-CN" altLang="en-US" dirty="0"/>
-          </a:p>
-        </p:txBody>
-      </p:sp>
-    </p:spTree>
-    <p:extLst>
-      <p:ext uri="{BB962C8B-B14F-4D97-AF65-F5344CB8AC3E}">
-        <p14:creationId xmlns:p14="http://schemas.microsoft.com/office/powerpoint/2010/main" val="2837047751"/>
-      </p:ext>
-    </p:extLst>
-  </p:cSld>
-  <p:clrMapOvr>
-    <a:masterClrMapping/>
-  </p:clrMapOvr>
-</p:sld>
-</file>
-
-<file path=ppt/slides/slide31.xml><?xml version="1.0" encoding="utf-8"?>
 <p:sld xmlns:a="http://schemas.openxmlformats.org/drawingml/2006/main" xmlns:r="http://schemas.openxmlformats.org/officeDocument/2006/relationships" xmlns:p="http://schemas.openxmlformats.org/presentationml/2006/main">
   <p:cSld>
     <p:spTree>
@@ -6114,7 +6077,7 @@
 </p:sld>
 </file>
 
-<file path=ppt/slides/slide32.xml><?xml version="1.0" encoding="utf-8"?>
+<file path=ppt/slides/slide31.xml><?xml version="1.0" encoding="utf-8"?>
 <p:sld xmlns:a="http://schemas.openxmlformats.org/drawingml/2006/main" xmlns:r="http://schemas.openxmlformats.org/officeDocument/2006/relationships" xmlns:p="http://schemas.openxmlformats.org/presentationml/2006/main">
   <p:cSld>
     <p:spTree>
@@ -6381,7 +6344,7 @@
 </p:sld>
 </file>
 
-<file path=ppt/slides/slide33.xml><?xml version="1.0" encoding="utf-8"?>
+<file path=ppt/slides/slide32.xml><?xml version="1.0" encoding="utf-8"?>
 <p:sld xmlns:a="http://schemas.openxmlformats.org/drawingml/2006/main" xmlns:r="http://schemas.openxmlformats.org/officeDocument/2006/relationships" xmlns:p="http://schemas.openxmlformats.org/presentationml/2006/main">
   <p:cSld>
     <p:spTree>
@@ -6528,6 +6491,116 @@
 </p:sld>
 </file>
 
+<file path=ppt/slides/slide33.xml><?xml version="1.0" encoding="utf-8"?>
+<p:sld xmlns:a="http://schemas.openxmlformats.org/drawingml/2006/main" xmlns:r="http://schemas.openxmlformats.org/officeDocument/2006/relationships" xmlns:p="http://schemas.openxmlformats.org/presentationml/2006/main">
+  <p:cSld>
+    <p:spTree>
+      <p:nvGrpSpPr>
+        <p:cNvPr id="1" name=""/>
+        <p:cNvGrpSpPr/>
+        <p:nvPr/>
+      </p:nvGrpSpPr>
+      <p:grpSpPr>
+        <a:xfrm>
+          <a:off x="0" y="0"/>
+          <a:ext cx="0" cy="0"/>
+          <a:chOff x="0" y="0"/>
+          <a:chExt cx="0" cy="0"/>
+        </a:xfrm>
+      </p:grpSpPr>
+      <p:sp>
+        <p:nvSpPr>
+          <p:cNvPr id="2" name="标题 1"/>
+          <p:cNvSpPr>
+            <a:spLocks noGrp="1"/>
+          </p:cNvSpPr>
+          <p:nvPr>
+            <p:ph type="title"/>
+          </p:nvPr>
+        </p:nvSpPr>
+        <p:spPr/>
+        <p:txBody>
+          <a:bodyPr/>
+          <a:lstStyle/>
+          <a:p>
+            <a:r>
+              <a:rPr lang="en-US" altLang="zh-CN" dirty="0"/>
+              <a:t>28BYJ-48</a:t>
+            </a:r>
+            <a:endParaRPr lang="zh-CN" altLang="en-US" dirty="0"/>
+          </a:p>
+        </p:txBody>
+      </p:sp>
+      <p:sp>
+        <p:nvSpPr>
+          <p:cNvPr id="3" name="内容占位符 2"/>
+          <p:cNvSpPr>
+            <a:spLocks noGrp="1"/>
+          </p:cNvSpPr>
+          <p:nvPr>
+            <p:ph idx="1"/>
+          </p:nvPr>
+        </p:nvSpPr>
+        <p:spPr/>
+        <p:txBody>
+          <a:bodyPr/>
+          <a:lstStyle/>
+          <a:p>
+            <a:r>
+              <a:rPr lang="en-US" altLang="zh-CN" dirty="0" smtClean="0"/>
+              <a:t>See the attached code, </a:t>
+            </a:r>
+            <a:r>
+              <a:rPr lang="en-US" altLang="zh-CN" dirty="0" err="1" smtClean="0">
+                <a:solidFill>
+                  <a:srgbClr val="FF0000"/>
+                </a:solidFill>
+              </a:rPr>
+              <a:t>stepper_double_four.ino</a:t>
+            </a:r>
+            <a:r>
+              <a:rPr lang="en-US" altLang="zh-CN" dirty="0" smtClean="0">
+                <a:solidFill>
+                  <a:srgbClr val="FF0000"/>
+                </a:solidFill>
+              </a:rPr>
+              <a:t> </a:t>
+            </a:r>
+            <a:r>
+              <a:rPr lang="en-US" altLang="zh-CN" dirty="0" smtClean="0"/>
+              <a:t>(cited), it gives an example for the double-four.</a:t>
+            </a:r>
+          </a:p>
+          <a:p>
+            <a:r>
+              <a:rPr lang="en-US" altLang="zh-CN" dirty="0" smtClean="0"/>
+              <a:t> See the attached code, </a:t>
+            </a:r>
+            <a:r>
+              <a:rPr lang="en-US" altLang="zh-CN" dirty="0" err="1" smtClean="0"/>
+              <a:t>stepper_eight.ino</a:t>
+            </a:r>
+            <a:r>
+              <a:rPr lang="en-US" altLang="zh-CN" dirty="0" smtClean="0"/>
+              <a:t> (cited) ,it gives an example for the eight. </a:t>
+            </a:r>
+            <a:endParaRPr lang="zh-CN" altLang="en-US" dirty="0"/>
+          </a:p>
+        </p:txBody>
+      </p:sp>
+    </p:spTree>
+    <p:extLst>
+      <p:ext uri="{BB962C8B-B14F-4D97-AF65-F5344CB8AC3E}">
+        <p14:creationId xmlns:p14="http://schemas.microsoft.com/office/powerpoint/2010/main" val="4265792462"/>
+      </p:ext>
+    </p:extLst>
+  </p:cSld>
+  <p:clrMapOvr>
+    <a:masterClrMapping/>
+  </p:clrMapOvr>
+</p:sld>
+</file>
+
 <file path=ppt/slides/slide34.xml><?xml version="1.0" encoding="utf-8"?>
 <p:sld xmlns:a="http://schemas.openxmlformats.org/drawingml/2006/main" xmlns:r="http://schemas.openxmlformats.org/officeDocument/2006/relationships" xmlns:p="http://schemas.openxmlformats.org/presentationml/2006/main">
   <p:cSld>
@@ -6561,8 +6634,8 @@
           <a:lstStyle/>
           <a:p>
             <a:r>
-              <a:rPr lang="en-US" altLang="zh-CN" dirty="0"/>
-              <a:t>28BYJ-48</a:t>
+              <a:rPr lang="en-US" altLang="zh-CN" dirty="0" smtClean="0"/>
+              <a:t>More details about 28BYJ-48</a:t>
             </a:r>
             <a:endParaRPr lang="zh-CN" altLang="en-US" dirty="0"/>
           </a:p>
@@ -6584,51 +6657,40 @@
           <a:lstStyle/>
           <a:p>
             <a:r>
-              <a:rPr lang="en-US" altLang="zh-CN" dirty="0" smtClean="0"/>
-              <a:t>See the attached code, </a:t>
-            </a:r>
-            <a:r>
-              <a:rPr lang="en-US" altLang="zh-CN" dirty="0" err="1" smtClean="0">
-                <a:solidFill>
-                  <a:srgbClr val="FF0000"/>
-                </a:solidFill>
+              <a:rPr lang="en-US" altLang="zh-CN" dirty="0">
+                <a:hlinkClick r:id="rId2"/>
               </a:rPr>
-              <a:t>stepper_double_four.ino</a:t>
+              <a:t>https://blog.rjdlee.com/arduino-wemos-with-l298n-controller-and-28byj-48-stepper-motor</a:t>
             </a:r>
             <a:r>
               <a:rPr lang="en-US" altLang="zh-CN" dirty="0" smtClean="0">
-                <a:solidFill>
-                  <a:srgbClr val="FF0000"/>
-                </a:solidFill>
+                <a:hlinkClick r:id="rId2"/>
               </a:rPr>
-              <a:t> </a:t>
-            </a:r>
-            <a:r>
-              <a:rPr lang="en-US" altLang="zh-CN" dirty="0" smtClean="0"/>
-              <a:t>(cited), it gives an example for the double-four.</a:t>
-            </a:r>
-          </a:p>
-          <a:p>
-            <a:r>
-              <a:rPr lang="en-US" altLang="zh-CN" dirty="0" smtClean="0"/>
-              <a:t> See the attached code, </a:t>
-            </a:r>
-            <a:r>
-              <a:rPr lang="en-US" altLang="zh-CN" dirty="0" err="1" smtClean="0"/>
-              <a:t>stepper_eight.ino</a:t>
-            </a:r>
-            <a:r>
-              <a:rPr lang="en-US" altLang="zh-CN" dirty="0" smtClean="0"/>
-              <a:t> (cited) ,it gives an example for the eight. </a:t>
-            </a:r>
-            <a:endParaRPr lang="zh-CN" altLang="en-US" dirty="0"/>
+              <a:t>/</a:t>
+            </a:r>
+            <a:endParaRPr lang="en-US" altLang="zh-CN" dirty="0" smtClean="0"/>
+          </a:p>
+          <a:p>
+            <a:r>
+              <a:rPr lang="en-US" altLang="zh-CN" dirty="0">
+                <a:hlinkClick r:id="rId3"/>
+              </a:rPr>
+              <a:t>http://42bots.com/tutorials/28byj-48-stepper-motor-with-uln2003-driver-and-arduino-uno</a:t>
+            </a:r>
+            <a:r>
+              <a:rPr lang="en-US" altLang="zh-CN" dirty="0" smtClean="0">
+                <a:hlinkClick r:id="rId3"/>
+              </a:rPr>
+              <a:t>/</a:t>
+            </a:r>
+            <a:endParaRPr lang="en-US" altLang="zh-CN" dirty="0" smtClean="0"/>
           </a:p>
         </p:txBody>
       </p:sp>
     </p:spTree>
     <p:extLst>
       <p:ext uri="{BB962C8B-B14F-4D97-AF65-F5344CB8AC3E}">
-        <p14:creationId xmlns:p14="http://schemas.microsoft.com/office/powerpoint/2010/main" val="4265792462"/>
+        <p14:creationId xmlns:p14="http://schemas.microsoft.com/office/powerpoint/2010/main" val="1904771976"/>
       </p:ext>
     </p:extLst>
   </p:cSld>
@@ -6665,14 +6727,19 @@
             <p:ph type="title"/>
           </p:nvPr>
         </p:nvSpPr>
-        <p:spPr/>
-        <p:txBody>
-          <a:bodyPr/>
-          <a:lstStyle/>
-          <a:p>
-            <a:r>
-              <a:rPr lang="en-US" altLang="zh-CN" dirty="0" smtClean="0"/>
-              <a:t>More details about 28BYJ-48</a:t>
+        <p:spPr>
+          <a:xfrm>
+            <a:off x="457200" y="274638"/>
+            <a:ext cx="8229600" cy="994122"/>
+          </a:xfrm>
+        </p:spPr>
+        <p:txBody>
+          <a:bodyPr/>
+          <a:lstStyle/>
+          <a:p>
+            <a:r>
+              <a:rPr lang="en-US" altLang="zh-CN" dirty="0" err="1" smtClean="0"/>
+              <a:t>Stepper.h</a:t>
             </a:r>
             <a:endParaRPr lang="zh-CN" altLang="en-US" dirty="0"/>
           </a:p>
@@ -6688,46 +6755,118 @@
             <p:ph idx="1"/>
           </p:nvPr>
         </p:nvSpPr>
-        <p:spPr/>
-        <p:txBody>
-          <a:bodyPr/>
-          <a:lstStyle/>
-          <a:p>
-            <a:r>
-              <a:rPr lang="en-US" altLang="zh-CN" dirty="0">
+        <p:spPr>
+          <a:xfrm>
+            <a:off x="457200" y="1268760"/>
+            <a:ext cx="8229600" cy="4968552"/>
+          </a:xfrm>
+        </p:spPr>
+        <p:txBody>
+          <a:bodyPr>
+            <a:normAutofit lnSpcReduction="10000"/>
+          </a:bodyPr>
+          <a:lstStyle/>
+          <a:p>
+            <a:r>
+              <a:rPr lang="en-US" altLang="zh-CN" dirty="0" smtClean="0"/>
+              <a:t>&lt;</a:t>
+            </a:r>
+            <a:r>
+              <a:rPr lang="en-US" altLang="zh-CN" dirty="0" err="1" smtClean="0"/>
+              <a:t>stepper.h</a:t>
+            </a:r>
+            <a:r>
+              <a:rPr lang="en-US" altLang="zh-CN" dirty="0" smtClean="0"/>
+              <a:t>&gt;</a:t>
+            </a:r>
+          </a:p>
+          <a:p>
+            <a:r>
+              <a:rPr lang="en-US" altLang="zh-CN" dirty="0" smtClean="0"/>
+              <a:t>Construct functions</a:t>
+            </a:r>
+          </a:p>
+          <a:p>
+            <a:pPr marL="0" indent="0">
+              <a:buNone/>
+            </a:pPr>
+            <a:r>
+              <a:rPr lang="fi-FI" altLang="zh-CN" dirty="0" smtClean="0">
                 <a:hlinkClick r:id="rId2"/>
               </a:rPr>
-              <a:t>https://blog.rjdlee.com/arduino-wemos-with-l298n-controller-and-28byj-48-stepper-motor</a:t>
-            </a:r>
-            <a:r>
-              <a:rPr lang="en-US" altLang="zh-CN" dirty="0" smtClean="0">
+              <a:t>Stepper</a:t>
+            </a:r>
+            <a:r>
+              <a:rPr lang="fi-FI" altLang="zh-CN" dirty="0" smtClean="0"/>
+              <a:t>(steps</a:t>
+            </a:r>
+            <a:r>
+              <a:rPr lang="fi-FI" altLang="zh-CN" dirty="0"/>
+              <a:t>, pin1, pin2)</a:t>
+            </a:r>
+          </a:p>
+          <a:p>
+            <a:pPr marL="0" indent="0">
+              <a:buNone/>
+            </a:pPr>
+            <a:r>
+              <a:rPr lang="fi-FI" altLang="zh-CN" dirty="0">
                 <a:hlinkClick r:id="rId2"/>
               </a:rPr>
-              <a:t>/</a:t>
-            </a:r>
-            <a:endParaRPr lang="en-US" altLang="zh-CN" dirty="0" smtClean="0"/>
-          </a:p>
-          <a:p>
-            <a:r>
-              <a:rPr lang="en-US" altLang="zh-CN" dirty="0">
-                <a:hlinkClick r:id="rId3"/>
-              </a:rPr>
-              <a:t>http://42bots.com/tutorials/28byj-48-stepper-motor-with-uln2003-driver-and-arduino-uno</a:t>
-            </a:r>
-            <a:r>
-              <a:rPr lang="en-US" altLang="zh-CN" dirty="0" smtClean="0">
-                <a:hlinkClick r:id="rId3"/>
-              </a:rPr>
-              <a:t>/</a:t>
-            </a:r>
-            <a:endParaRPr lang="en-US" altLang="zh-CN" dirty="0" smtClean="0"/>
+              <a:t>Stepper</a:t>
+            </a:r>
+            <a:r>
+              <a:rPr lang="fi-FI" altLang="zh-CN" dirty="0"/>
+              <a:t>(steps, pin1, pin2, pin3, pin4</a:t>
+            </a:r>
+            <a:r>
+              <a:rPr lang="fi-FI" altLang="zh-CN" dirty="0" smtClean="0"/>
+              <a:t>)</a:t>
+            </a:r>
+          </a:p>
+          <a:p>
+            <a:pPr marL="0" indent="0">
+              <a:buNone/>
+            </a:pPr>
+            <a:r>
+              <a:rPr lang="en-US" altLang="zh-CN" dirty="0"/>
+              <a:t>steps: the number of steps in one revolution of your motor</a:t>
+            </a:r>
+            <a:r>
+              <a:rPr lang="en-US" altLang="zh-CN" dirty="0" smtClean="0"/>
+              <a:t>. (Here refer to the actual times, not the previous one.)</a:t>
+            </a:r>
+            <a:r>
+              <a:rPr lang="fi-FI" altLang="zh-CN" dirty="0" smtClean="0"/>
+              <a:t>   </a:t>
+            </a:r>
+          </a:p>
+          <a:p>
+            <a:pPr marL="0" indent="0">
+              <a:buNone/>
+            </a:pPr>
+            <a:endParaRPr lang="fi-FI" altLang="zh-CN" dirty="0"/>
+          </a:p>
+          <a:p>
+            <a:pPr marL="0" indent="0">
+              <a:buNone/>
+            </a:pPr>
+            <a:r>
+              <a:rPr lang="fi-FI" altLang="zh-CN" dirty="0" smtClean="0"/>
+              <a:t>Ex:  </a:t>
+            </a:r>
+            <a:r>
+              <a:rPr lang="nb-NO" altLang="zh-CN" dirty="0"/>
+              <a:t>Stepper myStepper = Stepper(100, 5, 6);</a:t>
+            </a:r>
+            <a:endParaRPr lang="zh-CN" altLang="en-US" dirty="0"/>
           </a:p>
         </p:txBody>
       </p:sp>
     </p:spTree>
     <p:extLst>
       <p:ext uri="{BB962C8B-B14F-4D97-AF65-F5344CB8AC3E}">
-        <p14:creationId xmlns:p14="http://schemas.microsoft.com/office/powerpoint/2010/main" val="1904771976"/>
+        <p14:creationId xmlns:p14="http://schemas.microsoft.com/office/powerpoint/2010/main" val="720397260"/>
       </p:ext>
     </p:extLst>
   </p:cSld>
@@ -6764,12 +6903,7 @@
             <p:ph type="title"/>
           </p:nvPr>
         </p:nvSpPr>
-        <p:spPr>
-          <a:xfrm>
-            <a:off x="457200" y="274638"/>
-            <a:ext cx="8229600" cy="994122"/>
-          </a:xfrm>
-        </p:spPr>
+        <p:spPr/>
         <p:txBody>
           <a:bodyPr/>
           <a:lstStyle/>
@@ -6792,35 +6926,18 @@
             <p:ph idx="1"/>
           </p:nvPr>
         </p:nvSpPr>
-        <p:spPr>
-          <a:xfrm>
-            <a:off x="457200" y="1268760"/>
-            <a:ext cx="8229600" cy="4968552"/>
-          </a:xfrm>
-        </p:spPr>
-        <p:txBody>
-          <a:bodyPr>
-            <a:normAutofit lnSpcReduction="10000"/>
-          </a:bodyPr>
-          <a:lstStyle/>
-          <a:p>
-            <a:r>
-              <a:rPr lang="en-US" altLang="zh-CN" dirty="0" smtClean="0"/>
-              <a:t>&lt;</a:t>
-            </a:r>
-            <a:r>
-              <a:rPr lang="en-US" altLang="zh-CN" dirty="0" err="1" smtClean="0"/>
-              <a:t>stepper.h</a:t>
-            </a:r>
-            <a:r>
-              <a:rPr lang="en-US" altLang="zh-CN" dirty="0" smtClean="0"/>
-              <a:t>&gt;</a:t>
-            </a:r>
-          </a:p>
-          <a:p>
-            <a:r>
-              <a:rPr lang="en-US" altLang="zh-CN" dirty="0" smtClean="0"/>
-              <a:t>Construct functions</a:t>
+        <p:spPr/>
+        <p:txBody>
+          <a:bodyPr/>
+          <a:lstStyle/>
+          <a:p>
+            <a:r>
+              <a:rPr lang="en-US" altLang="zh-CN" dirty="0" err="1"/>
+              <a:t>setSpeed</a:t>
+            </a:r>
+            <a:r>
+              <a:rPr lang="en-US" altLang="zh-CN" dirty="0"/>
+              <a:t>(rpms)</a:t>
             </a:r>
           </a:p>
           <a:p>
@@ -6828,18 +6945,20 @@
               <a:buNone/>
             </a:pPr>
             <a:r>
-              <a:rPr lang="fi-FI" altLang="zh-CN" dirty="0" smtClean="0">
-                <a:hlinkClick r:id="rId2"/>
-              </a:rPr>
-              <a:t>Stepper</a:t>
-            </a:r>
-            <a:r>
-              <a:rPr lang="fi-FI" altLang="zh-CN" dirty="0" smtClean="0"/>
-              <a:t>(steps</a:t>
-            </a:r>
-            <a:r>
-              <a:rPr lang="fi-FI" altLang="zh-CN" dirty="0"/>
-              <a:t>, pin1, pin2)</a:t>
+              <a:rPr lang="en-US" altLang="zh-CN" dirty="0" smtClean="0"/>
+              <a:t>    </a:t>
+            </a:r>
+            <a:r>
+              <a:rPr lang="en-US" altLang="zh-CN" dirty="0"/>
+              <a:t>rpms: the speed at which the motor should turn in rotations per minute - a positive number (</a:t>
+            </a:r>
+            <a:r>
+              <a:rPr lang="en-US" altLang="zh-CN" i="1" dirty="0"/>
+              <a:t>long</a:t>
+            </a:r>
+            <a:r>
+              <a:rPr lang="en-US" altLang="zh-CN" dirty="0" smtClean="0"/>
+              <a:t>)</a:t>
             </a:r>
           </a:p>
           <a:p>
@@ -6847,54 +6966,12 @@
               <a:buNone/>
             </a:pPr>
             <a:r>
-              <a:rPr lang="fi-FI" altLang="zh-CN" dirty="0">
-                <a:hlinkClick r:id="rId2"/>
-              </a:rPr>
-              <a:t>Stepper</a:t>
-            </a:r>
-            <a:r>
-              <a:rPr lang="fi-FI" altLang="zh-CN" dirty="0"/>
-              <a:t>(steps, pin1, pin2, pin3, pin4</a:t>
-            </a:r>
-            <a:r>
-              <a:rPr lang="fi-FI" altLang="zh-CN" dirty="0" smtClean="0"/>
-              <a:t>)</a:t>
-            </a:r>
-          </a:p>
-          <a:p>
-            <a:pPr marL="0" indent="0">
-              <a:buNone/>
-            </a:pPr>
-            <a:r>
               <a:rPr lang="en-US" altLang="zh-CN" dirty="0"/>
-              <a:t>steps: the number of steps in one revolution of your motor</a:t>
-            </a:r>
-            <a:r>
-              <a:rPr lang="en-US" altLang="zh-CN" dirty="0" smtClean="0"/>
-              <a:t>. (Here refer to the actual times, not the previous one.)</a:t>
-            </a:r>
-            <a:r>
-              <a:rPr lang="fi-FI" altLang="zh-CN" dirty="0" smtClean="0"/>
+              <a:t> </a:t>
+            </a:r>
+            <a:r>
+              <a:rPr lang="en-US" altLang="zh-CN" dirty="0" smtClean="0"/>
               <a:t>   </a:t>
-            </a:r>
-          </a:p>
-          <a:p>
-            <a:pPr marL="0" indent="0">
-              <a:buNone/>
-            </a:pPr>
-            <a:endParaRPr lang="fi-FI" altLang="zh-CN" dirty="0"/>
-          </a:p>
-          <a:p>
-            <a:pPr marL="0" indent="0">
-              <a:buNone/>
-            </a:pPr>
-            <a:r>
-              <a:rPr lang="fi-FI" altLang="zh-CN" dirty="0" smtClean="0"/>
-              <a:t>Ex:  </a:t>
-            </a:r>
-            <a:r>
-              <a:rPr lang="nb-NO" altLang="zh-CN" dirty="0"/>
-              <a:t>Stepper myStepper = Stepper(100, 5, 6);</a:t>
             </a:r>
             <a:endParaRPr lang="zh-CN" altLang="en-US" dirty="0"/>
           </a:p>
@@ -6903,7 +6980,7 @@
     </p:spTree>
     <p:extLst>
       <p:ext uri="{BB962C8B-B14F-4D97-AF65-F5344CB8AC3E}">
-        <p14:creationId xmlns:p14="http://schemas.microsoft.com/office/powerpoint/2010/main" val="720397260"/>
+        <p14:creationId xmlns:p14="http://schemas.microsoft.com/office/powerpoint/2010/main" val="383876432"/>
       </p:ext>
     </p:extLst>
   </p:cSld>
@@ -6969,33 +7046,8 @@
           <a:lstStyle/>
           <a:p>
             <a:r>
-              <a:rPr lang="en-US" altLang="zh-CN" dirty="0" err="1"/>
-              <a:t>setSpeed</a:t>
-            </a:r>
-            <a:r>
               <a:rPr lang="en-US" altLang="zh-CN" dirty="0"/>
-              <a:t>(rpms)</a:t>
-            </a:r>
-          </a:p>
-          <a:p>
-            <a:pPr marL="0" indent="0">
-              <a:buNone/>
-            </a:pPr>
-            <a:r>
-              <a:rPr lang="en-US" altLang="zh-CN" dirty="0" smtClean="0"/>
-              <a:t>    </a:t>
-            </a:r>
-            <a:r>
-              <a:rPr lang="en-US" altLang="zh-CN" dirty="0"/>
-              <a:t>rpms: the speed at which the motor should turn in rotations per minute - a positive number (</a:t>
-            </a:r>
-            <a:r>
-              <a:rPr lang="en-US" altLang="zh-CN" i="1" dirty="0"/>
-              <a:t>long</a:t>
-            </a:r>
-            <a:r>
-              <a:rPr lang="en-US" altLang="zh-CN" dirty="0" smtClean="0"/>
-              <a:t>)</a:t>
+              <a:t>step(steps)</a:t>
             </a:r>
           </a:p>
           <a:p>
@@ -7010,14 +7062,49 @@
               <a:rPr lang="en-US" altLang="zh-CN" dirty="0" smtClean="0"/>
               <a:t>   </a:t>
             </a:r>
-            <a:endParaRPr lang="zh-CN" altLang="en-US" dirty="0"/>
+            <a:r>
+              <a:rPr lang="en-US" altLang="zh-CN" dirty="0"/>
+              <a:t>steps: the number of steps to turn the </a:t>
+            </a:r>
+            <a:r>
+              <a:rPr lang="en-US" altLang="zh-CN" dirty="0" smtClean="0"/>
+              <a:t>motor(</a:t>
+            </a:r>
+            <a:r>
+              <a:rPr lang="en-US" altLang="zh-CN" dirty="0" err="1" smtClean="0"/>
+              <a:t>int</a:t>
+            </a:r>
+            <a:r>
+              <a:rPr lang="en-US" altLang="zh-CN" dirty="0" smtClean="0"/>
+              <a:t>)</a:t>
+            </a:r>
+          </a:p>
+          <a:p>
+            <a:pPr marL="0" indent="0">
+              <a:buNone/>
+            </a:pPr>
+            <a:endParaRPr lang="en-US" altLang="zh-CN" dirty="0"/>
+          </a:p>
+          <a:p>
+            <a:r>
+              <a:rPr lang="en-US" altLang="zh-CN" dirty="0" smtClean="0"/>
+              <a:t>Note that the time completed will related to the </a:t>
+            </a:r>
+            <a:r>
+              <a:rPr lang="en-US" altLang="zh-CN" dirty="0" err="1" smtClean="0"/>
+              <a:t>setspeed</a:t>
+            </a:r>
+            <a:r>
+              <a:rPr lang="en-US" altLang="zh-CN" dirty="0" smtClean="0"/>
+              <a:t>(rpms) function</a:t>
+            </a:r>
           </a:p>
         </p:txBody>
       </p:sp>
     </p:spTree>
     <p:extLst>
       <p:ext uri="{BB962C8B-B14F-4D97-AF65-F5344CB8AC3E}">
-        <p14:creationId xmlns:p14="http://schemas.microsoft.com/office/powerpoint/2010/main" val="383876432"/>
+        <p14:creationId xmlns:p14="http://schemas.microsoft.com/office/powerpoint/2010/main" val="518195122"/>
       </p:ext>
     </p:extLst>
   </p:cSld>
@@ -7083,65 +7170,51 @@
           <a:lstStyle/>
           <a:p>
             <a:r>
-              <a:rPr lang="en-US" altLang="zh-CN" dirty="0"/>
-              <a:t>step(steps)</a:t>
-            </a:r>
-          </a:p>
-          <a:p>
-            <a:pPr marL="0" indent="0">
-              <a:buNone/>
-            </a:pPr>
-            <a:r>
-              <a:rPr lang="en-US" altLang="zh-CN" dirty="0"/>
-              <a:t> </a:t>
-            </a:r>
-            <a:r>
-              <a:rPr lang="en-US" altLang="zh-CN" dirty="0" smtClean="0"/>
-              <a:t>   </a:t>
-            </a:r>
-            <a:r>
-              <a:rPr lang="en-US" altLang="zh-CN" dirty="0"/>
-              <a:t>steps: the number of steps to turn the </a:t>
-            </a:r>
-            <a:r>
-              <a:rPr lang="en-US" altLang="zh-CN" dirty="0" smtClean="0"/>
-              <a:t>motor(</a:t>
+              <a:rPr lang="en-US" altLang="zh-CN" dirty="0" smtClean="0"/>
+              <a:t>Easy use: if you have a sensor, like </a:t>
+            </a:r>
+            <a:r>
+              <a:rPr lang="en-US" altLang="zh-CN" b="1" dirty="0" smtClean="0"/>
+              <a:t>potentiometer</a:t>
+            </a:r>
+            <a:r>
+              <a:rPr lang="en-US" altLang="zh-CN" dirty="0" smtClean="0"/>
+              <a:t>, than you can use the </a:t>
+            </a:r>
+            <a:r>
+              <a:rPr lang="en-US" altLang="zh-CN" dirty="0" err="1" smtClean="0">
+                <a:solidFill>
+                  <a:srgbClr val="FF0000"/>
+                </a:solidFill>
+              </a:rPr>
+              <a:t>stepper.ino</a:t>
+            </a:r>
+            <a:r>
+              <a:rPr lang="en-US" altLang="zh-CN" dirty="0" smtClean="0"/>
+              <a:t> to get easy control of your stepper motor.</a:t>
+            </a:r>
+          </a:p>
+          <a:p>
+            <a:r>
+              <a:rPr lang="en-US" altLang="zh-CN" dirty="0" smtClean="0"/>
+              <a:t>Before you use the </a:t>
             </a:r>
             <a:r>
               <a:rPr lang="en-US" altLang="zh-CN" dirty="0" err="1" smtClean="0"/>
-              <a:t>int</a:t>
-            </a:r>
-            <a:r>
-              <a:rPr lang="en-US" altLang="zh-CN" dirty="0" smtClean="0"/>
-              <a:t>)</a:t>
-            </a:r>
-          </a:p>
-          <a:p>
-            <a:pPr marL="0" indent="0">
-              <a:buNone/>
-            </a:pPr>
-            <a:endParaRPr lang="en-US" altLang="zh-CN" dirty="0"/>
-          </a:p>
-          <a:p>
-            <a:r>
-              <a:rPr lang="en-US" altLang="zh-CN" dirty="0" smtClean="0"/>
-              <a:t>Note that the time completed will related to the </a:t>
-            </a:r>
-            <a:r>
-              <a:rPr lang="en-US" altLang="zh-CN" dirty="0" err="1" smtClean="0"/>
-              <a:t>setspeed</a:t>
-            </a:r>
-            <a:r>
-              <a:rPr lang="en-US" altLang="zh-CN" dirty="0" smtClean="0"/>
-              <a:t>(rpms) function</a:t>
-            </a:r>
+              <a:t>stepper.h</a:t>
+            </a:r>
+            <a:r>
+              <a:rPr lang="en-US" altLang="zh-CN" dirty="0" smtClean="0"/>
+              <a:t> ,you still need to make sure your wiring is correct and you have read the instructions.</a:t>
+            </a:r>
+            <a:endParaRPr lang="zh-CN" altLang="en-US" dirty="0"/>
           </a:p>
         </p:txBody>
       </p:sp>
     </p:spTree>
     <p:extLst>
       <p:ext uri="{BB962C8B-B14F-4D97-AF65-F5344CB8AC3E}">
-        <p14:creationId xmlns:p14="http://schemas.microsoft.com/office/powerpoint/2010/main" val="518195122"/>
+        <p14:creationId xmlns:p14="http://schemas.microsoft.com/office/powerpoint/2010/main" val="3681346808"/>
       </p:ext>
     </p:extLst>
   </p:cSld>
@@ -7184,65 +7257,67 @@
           <a:lstStyle/>
           <a:p>
             <a:r>
+              <a:rPr lang="en-US" altLang="zh-CN" dirty="0" smtClean="0"/>
+              <a:t>Thanks &amp; Claims</a:t>
+            </a:r>
+            <a:endParaRPr lang="zh-CN" altLang="en-US" dirty="0"/>
+          </a:p>
+        </p:txBody>
+      </p:sp>
+      <p:sp>
+        <p:nvSpPr>
+          <p:cNvPr id="3" name="内容占位符 2"/>
+          <p:cNvSpPr>
+            <a:spLocks noGrp="1"/>
+          </p:cNvSpPr>
+          <p:nvPr>
+            <p:ph idx="1"/>
+          </p:nvPr>
+        </p:nvSpPr>
+        <p:spPr/>
+        <p:txBody>
+          <a:bodyPr/>
+          <a:lstStyle/>
+          <a:p>
+            <a:r>
+              <a:rPr lang="en-US" altLang="zh-CN" dirty="0" smtClean="0"/>
+              <a:t>The </a:t>
+            </a:r>
+            <a:r>
               <a:rPr lang="en-US" altLang="zh-CN" dirty="0" err="1" smtClean="0"/>
-              <a:t>Stepper.h</a:t>
-            </a:r>
-            <a:endParaRPr lang="zh-CN" altLang="en-US" dirty="0"/>
-          </a:p>
-        </p:txBody>
-      </p:sp>
-      <p:sp>
-        <p:nvSpPr>
-          <p:cNvPr id="3" name="内容占位符 2"/>
-          <p:cNvSpPr>
-            <a:spLocks noGrp="1"/>
-          </p:cNvSpPr>
-          <p:nvPr>
-            <p:ph idx="1"/>
-          </p:nvPr>
-        </p:nvSpPr>
-        <p:spPr/>
-        <p:txBody>
-          <a:bodyPr/>
-          <a:lstStyle/>
-          <a:p>
-            <a:r>
-              <a:rPr lang="en-US" altLang="zh-CN" dirty="0" smtClean="0"/>
-              <a:t>Easy use: if you have a sensor, like </a:t>
-            </a:r>
-            <a:r>
-              <a:rPr lang="en-US" altLang="zh-CN" b="1" dirty="0" smtClean="0"/>
-              <a:t>potentiometer</a:t>
-            </a:r>
-            <a:r>
-              <a:rPr lang="en-US" altLang="zh-CN" dirty="0" smtClean="0"/>
-              <a:t>, than you can use the </a:t>
-            </a:r>
-            <a:r>
-              <a:rPr lang="en-US" altLang="zh-CN" dirty="0" err="1" smtClean="0">
-                <a:solidFill>
-                  <a:srgbClr val="FF0000"/>
-                </a:solidFill>
-              </a:rPr>
-              <a:t>stepper.ino</a:t>
-            </a:r>
-            <a:r>
-              <a:rPr lang="en-US" altLang="zh-CN" dirty="0" smtClean="0"/>
-              <a:t> to get easy control of your stepper motor.</a:t>
-            </a:r>
-          </a:p>
-          <a:p>
-            <a:r>
-              <a:rPr lang="en-US" altLang="zh-CN" dirty="0" smtClean="0"/>
-              <a:t>Before you use the </a:t>
+              <a:t>ppt</a:t>
+            </a:r>
+            <a:r>
+              <a:rPr lang="en-US" altLang="zh-CN" dirty="0" smtClean="0"/>
+              <a:t> has used quite a lot of individual works, without permission, including L.L Lab, Instruction, Brown.</a:t>
+            </a:r>
+          </a:p>
+          <a:p>
+            <a:r>
+              <a:rPr lang="en-US" altLang="zh-CN" dirty="0" smtClean="0"/>
+              <a:t>The </a:t>
             </a:r>
             <a:r>
               <a:rPr lang="en-US" altLang="zh-CN" dirty="0" err="1" smtClean="0"/>
-              <a:t>stepper.h</a:t>
-            </a:r>
-            <a:r>
-              <a:rPr lang="en-US" altLang="zh-CN" dirty="0" smtClean="0"/>
-              <a:t> ,you still need to make sure your wiring is correct and you have read the instructions.</a:t>
+              <a:t>ppt</a:t>
+            </a:r>
+            <a:r>
+              <a:rPr lang="en-US" altLang="zh-CN" dirty="0" smtClean="0"/>
+              <a:t> is only for education use, no reprinting and financial use.</a:t>
+            </a:r>
+          </a:p>
+          <a:p>
+            <a:r>
+              <a:rPr lang="en-US" altLang="zh-CN" dirty="0" smtClean="0"/>
+              <a:t>The code is from website, public. Some may not under </a:t>
+            </a:r>
+            <a:r>
+              <a:rPr lang="en-US" altLang="zh-CN" dirty="0"/>
+              <a:t>GNU General Public </a:t>
+            </a:r>
+            <a:r>
+              <a:rPr lang="en-US" altLang="zh-CN" dirty="0" smtClean="0"/>
+              <a:t>License. Please ensure it before you use.</a:t>
             </a:r>
             <a:endParaRPr lang="zh-CN" altLang="en-US" dirty="0"/>
           </a:p>
@@ -7251,7 +7326,7 @@
     </p:spTree>
     <p:extLst>
       <p:ext uri="{BB962C8B-B14F-4D97-AF65-F5344CB8AC3E}">
-        <p14:creationId xmlns:p14="http://schemas.microsoft.com/office/powerpoint/2010/main" val="3681346808"/>
+        <p14:creationId xmlns:p14="http://schemas.microsoft.com/office/powerpoint/2010/main" val="197988082"/>
       </p:ext>
     </p:extLst>
   </p:cSld>
@@ -7337,118 +7412,6 @@
     <p:extLst>
       <p:ext uri="{BB962C8B-B14F-4D97-AF65-F5344CB8AC3E}">
         <p14:creationId xmlns:p14="http://schemas.microsoft.com/office/powerpoint/2010/main" val="2631124474"/>
-      </p:ext>
-    </p:extLst>
-  </p:cSld>
-  <p:clrMapOvr>
-    <a:masterClrMapping/>
-  </p:clrMapOvr>
-</p:sld>
-</file>
-
-<file path=ppt/slides/slide40.xml><?xml version="1.0" encoding="utf-8"?>
-<p:sld xmlns:a="http://schemas.openxmlformats.org/drawingml/2006/main" xmlns:r="http://schemas.openxmlformats.org/officeDocument/2006/relationships" xmlns:p="http://schemas.openxmlformats.org/presentationml/2006/main">
-  <p:cSld>
-    <p:spTree>
-      <p:nvGrpSpPr>
-        <p:cNvPr id="1" name=""/>
-        <p:cNvGrpSpPr/>
-        <p:nvPr/>
-      </p:nvGrpSpPr>
-      <p:grpSpPr>
-        <a:xfrm>
-          <a:off x="0" y="0"/>
-          <a:ext cx="0" cy="0"/>
-          <a:chOff x="0" y="0"/>
-          <a:chExt cx="0" cy="0"/>
-        </a:xfrm>
-      </p:grpSpPr>
-      <p:sp>
-        <p:nvSpPr>
-          <p:cNvPr id="2" name="标题 1"/>
-          <p:cNvSpPr>
-            <a:spLocks noGrp="1"/>
-          </p:cNvSpPr>
-          <p:nvPr>
-            <p:ph type="title"/>
-          </p:nvPr>
-        </p:nvSpPr>
-        <p:spPr/>
-        <p:txBody>
-          <a:bodyPr/>
-          <a:lstStyle/>
-          <a:p>
-            <a:r>
-              <a:rPr lang="en-US" altLang="zh-CN" dirty="0" smtClean="0"/>
-              <a:t>Thanks &amp; Claims</a:t>
-            </a:r>
-            <a:endParaRPr lang="zh-CN" altLang="en-US" dirty="0"/>
-          </a:p>
-        </p:txBody>
-      </p:sp>
-      <p:sp>
-        <p:nvSpPr>
-          <p:cNvPr id="3" name="内容占位符 2"/>
-          <p:cNvSpPr>
-            <a:spLocks noGrp="1"/>
-          </p:cNvSpPr>
-          <p:nvPr>
-            <p:ph idx="1"/>
-          </p:nvPr>
-        </p:nvSpPr>
-        <p:spPr/>
-        <p:txBody>
-          <a:bodyPr/>
-          <a:lstStyle/>
-          <a:p>
-            <a:r>
-              <a:rPr lang="en-US" altLang="zh-CN" dirty="0" smtClean="0"/>
-              <a:t>The </a:t>
-            </a:r>
-            <a:r>
-              <a:rPr lang="en-US" altLang="zh-CN" dirty="0" err="1" smtClean="0"/>
-              <a:t>ppt</a:t>
-            </a:r>
-            <a:r>
-              <a:rPr lang="en-US" altLang="zh-CN" dirty="0" smtClean="0"/>
-              <a:t> has used quite a lot of individual works, without permission, including L.L Lab, Instruction, Brown.</a:t>
-            </a:r>
-          </a:p>
-          <a:p>
-            <a:r>
-              <a:rPr lang="en-US" altLang="zh-CN" dirty="0" smtClean="0"/>
-              <a:t>The </a:t>
-            </a:r>
-            <a:r>
-              <a:rPr lang="en-US" altLang="zh-CN" dirty="0" err="1" smtClean="0"/>
-              <a:t>ppt</a:t>
-            </a:r>
-            <a:r>
-              <a:rPr lang="en-US" altLang="zh-CN" dirty="0" smtClean="0"/>
-              <a:t> is only for education use, no reprinting and financial use.</a:t>
-            </a:r>
-          </a:p>
-          <a:p>
-            <a:r>
-              <a:rPr lang="en-US" altLang="zh-CN" dirty="0" smtClean="0"/>
-              <a:t>The code is from website, public. Some may not under </a:t>
-            </a:r>
-            <a:r>
-              <a:rPr lang="en-US" altLang="zh-CN" dirty="0"/>
-              <a:t>GNU General Public </a:t>
-            </a:r>
-            <a:r>
-              <a:rPr lang="en-US" altLang="zh-CN" dirty="0" smtClean="0"/>
-              <a:t>License. Please ensure it before you use.</a:t>
-            </a:r>
-            <a:endParaRPr lang="zh-CN" altLang="en-US" dirty="0"/>
-          </a:p>
-        </p:txBody>
-      </p:sp>
-    </p:spTree>
-    <p:extLst>
-      <p:ext uri="{BB962C8B-B14F-4D97-AF65-F5344CB8AC3E}">
-        <p14:creationId xmlns:p14="http://schemas.microsoft.com/office/powerpoint/2010/main" val="197988082"/>
       </p:ext>
     </p:extLst>
   </p:cSld>
